--- a/Module_11_StemCells/Conclusion_project/Presentation.pptx
+++ b/Module_11_StemCells/Conclusion_project/Presentation.pptx
@@ -7,6 +7,9 @@
   <p:sldIdLst>
     <p:sldId id="256" r:id="rId2"/>
     <p:sldId id="257" r:id="rId3"/>
+    <p:sldId id="258" r:id="rId4"/>
+    <p:sldId id="259" r:id="rId5"/>
+    <p:sldId id="260" r:id="rId6"/>
   </p:sldIdLst>
   <p:sldSz cx="12192000" cy="6858000"/>
   <p:notesSz cx="6858000" cy="9144000"/>
@@ -105,6 +108,11 @@
       </a:defRPr>
     </a:lvl9pPr>
   </p:defaultTextStyle>
+  <p:extLst>
+    <p:ext uri="{EFAFB233-063F-42B5-8137-9DF3F51BA10A}">
+      <p15:sldGuideLst xmlns:p15="http://schemas.microsoft.com/office/powerpoint/2012/main"/>
+    </p:ext>
+  </p:extLst>
 </p:presentation>
 </file>
 
@@ -3761,14 +3769,14 @@
           <p:nvPr>
             <p:extLst>
               <p:ext uri="{D42A27DB-BD31-4B8C-83A1-F6EECF244321}">
-                <p14:modId xmlns:p14="http://schemas.microsoft.com/office/powerpoint/2010/main" val="2689173084"/>
+                <p14:modId xmlns:p14="http://schemas.microsoft.com/office/powerpoint/2010/main" val="236867180"/>
               </p:ext>
             </p:extLst>
           </p:nvPr>
         </p:nvGraphicFramePr>
         <p:xfrm>
-          <a:off x="1012546" y="3889200"/>
-          <a:ext cx="9871044" cy="2557782"/>
+          <a:off x="1012545" y="3889200"/>
+          <a:ext cx="10406304" cy="2557782"/>
         </p:xfrm>
         <a:graphic>
           <a:graphicData uri="http://schemas.openxmlformats.org/drawingml/2006/table">
@@ -3777,14 +3785,14 @@
                 <a:tableStyleId>{5C22544A-7EE6-4342-B048-85BDC9FD1C3A}</a:tableStyleId>
               </a:tblPr>
               <a:tblGrid>
-                <a:gridCol w="4935522">
+                <a:gridCol w="5203152">
                   <a:extLst>
                     <a:ext uri="{9D8B030D-6E8A-4147-A177-3AD203B41FA5}">
                       <a16:colId xmlns:a16="http://schemas.microsoft.com/office/drawing/2014/main" val="1689159343"/>
                     </a:ext>
                   </a:extLst>
                 </a:gridCol>
-                <a:gridCol w="4935522">
+                <a:gridCol w="5203152">
                   <a:extLst>
                     <a:ext uri="{9D8B030D-6E8A-4147-A177-3AD203B41FA5}">
                       <a16:colId xmlns:a16="http://schemas.microsoft.com/office/drawing/2014/main" val="3662393219"/>
@@ -3792,7 +3800,7 @@
                   </a:extLst>
                 </a:gridCol>
               </a:tblGrid>
-              <a:tr h="674179">
+              <a:tr h="444546">
                 <a:tc>
                   <a:txBody>
                     <a:bodyPr/>
@@ -3827,7 +3835,7 @@
                   </a:ext>
                 </a:extLst>
               </a:tr>
-              <a:tr h="1883603">
+              <a:tr h="2113236">
                 <a:tc>
                   <a:txBody>
                     <a:bodyPr/>
@@ -3866,6 +3874,1537 @@
     <p:extLst>
       <p:ext uri="{BB962C8B-B14F-4D97-AF65-F5344CB8AC3E}">
         <p14:creationId xmlns:p14="http://schemas.microsoft.com/office/powerpoint/2010/main" val="3786715455"/>
+      </p:ext>
+    </p:extLst>
+  </p:cSld>
+  <p:clrMapOvr>
+    <a:masterClrMapping/>
+  </p:clrMapOvr>
+</p:sld>
+</file>
+
+<file path=ppt/slides/slide3.xml><?xml version="1.0" encoding="utf-8"?>
+<p:sld xmlns:a="http://schemas.openxmlformats.org/drawingml/2006/main" xmlns:r="http://schemas.openxmlformats.org/officeDocument/2006/relationships" xmlns:p="http://schemas.openxmlformats.org/presentationml/2006/main">
+  <p:cSld>
+    <p:spTree>
+      <p:nvGrpSpPr>
+        <p:cNvPr id="1" name=""/>
+        <p:cNvGrpSpPr/>
+        <p:nvPr/>
+      </p:nvGrpSpPr>
+      <p:grpSpPr>
+        <a:xfrm>
+          <a:off x="0" y="0"/>
+          <a:ext cx="0" cy="0"/>
+          <a:chOff x="0" y="0"/>
+          <a:chExt cx="0" cy="0"/>
+        </a:xfrm>
+      </p:grpSpPr>
+      <p:sp>
+        <p:nvSpPr>
+          <p:cNvPr id="4" name="Title 1">
+            <a:extLst>
+              <a:ext uri="{FF2B5EF4-FFF2-40B4-BE49-F238E27FC236}">
+                <a16:creationId xmlns:a16="http://schemas.microsoft.com/office/drawing/2014/main" id="{48A0A20B-1C1D-2043-9006-84AF95EE80DB}"/>
+              </a:ext>
+            </a:extLst>
+          </p:cNvPr>
+          <p:cNvSpPr txBox="1">
+            <a:spLocks/>
+          </p:cNvSpPr>
+          <p:nvPr/>
+        </p:nvSpPr>
+        <p:spPr>
+          <a:xfrm>
+            <a:off x="575553" y="434776"/>
+            <a:ext cx="10515600" cy="451998"/>
+          </a:xfrm>
+          <a:prstGeom prst="rect">
+            <a:avLst/>
+          </a:prstGeom>
+        </p:spPr>
+        <p:txBody>
+          <a:bodyPr vert="horz" lIns="91440" tIns="45720" rIns="91440" bIns="45720" rtlCol="0" anchor="ctr">
+            <a:normAutofit fontScale="75000" lnSpcReduction="20000"/>
+          </a:bodyPr>
+          <a:lstStyle>
+            <a:lvl1pPr algn="l" defTabSz="914400" rtl="0" eaLnBrk="1" latinLnBrk="0" hangingPunct="1">
+              <a:lnSpc>
+                <a:spcPct val="90000"/>
+              </a:lnSpc>
+              <a:spcBef>
+                <a:spcPct val="0"/>
+              </a:spcBef>
+              <a:buNone/>
+              <a:defRPr sz="4400" kern="1200">
+                <a:solidFill>
+                  <a:schemeClr val="tx1"/>
+                </a:solidFill>
+                <a:latin typeface="+mj-lt"/>
+                <a:ea typeface="+mj-ea"/>
+                <a:cs typeface="+mj-cs"/>
+              </a:defRPr>
+            </a:lvl1pPr>
+          </a:lstStyle>
+          <a:p>
+            <a:r>
+              <a:rPr lang="en-US" dirty="0">
+                <a:solidFill>
+                  <a:schemeClr val="accent1"/>
+                </a:solidFill>
+                <a:latin typeface="Tahoma" panose="020B0604030504040204" pitchFamily="34" charset="0"/>
+                <a:ea typeface="Tahoma" panose="020B0604030504040204" pitchFamily="34" charset="0"/>
+                <a:cs typeface="Tahoma" panose="020B0604030504040204" pitchFamily="34" charset="0"/>
+              </a:rPr>
+              <a:t>SCI Burden and Critical Needs</a:t>
+            </a:r>
+          </a:p>
+        </p:txBody>
+      </p:sp>
+      <p:sp>
+        <p:nvSpPr>
+          <p:cNvPr id="6" name="TextBox 5">
+            <a:extLst>
+              <a:ext uri="{FF2B5EF4-FFF2-40B4-BE49-F238E27FC236}">
+                <a16:creationId xmlns:a16="http://schemas.microsoft.com/office/drawing/2014/main" id="{66FFCBDD-98F4-7C78-125A-CB855A2E3722}"/>
+              </a:ext>
+            </a:extLst>
+          </p:cNvPr>
+          <p:cNvSpPr txBox="1"/>
+          <p:nvPr/>
+        </p:nvSpPr>
+        <p:spPr>
+          <a:xfrm>
+            <a:off x="575553" y="1039098"/>
+            <a:ext cx="9646705" cy="1877437"/>
+          </a:xfrm>
+          <a:prstGeom prst="rect">
+            <a:avLst/>
+          </a:prstGeom>
+          <a:noFill/>
+        </p:spPr>
+        <p:txBody>
+          <a:bodyPr wrap="square" rtlCol="0">
+            <a:spAutoFit/>
+          </a:bodyPr>
+          <a:lstStyle/>
+          <a:p>
+            <a:pPr marL="285750" indent="-285750">
+              <a:buClr>
+                <a:schemeClr val="accent1"/>
+              </a:buClr>
+              <a:buFont typeface="Arial" panose="020B0604020202020204" pitchFamily="34" charset="0"/>
+              <a:buChar char="•"/>
+            </a:pPr>
+            <a:r>
+              <a:rPr lang="en-US" sz="2400" dirty="0">
+                <a:solidFill>
+                  <a:schemeClr val="accent1"/>
+                </a:solidFill>
+                <a:latin typeface="Tahoma" panose="020B0604030504040204" pitchFamily="34" charset="0"/>
+                <a:ea typeface="Tahoma" panose="020B0604030504040204" pitchFamily="34" charset="0"/>
+                <a:cs typeface="Tahoma" panose="020B0604030504040204" pitchFamily="34" charset="0"/>
+              </a:rPr>
+              <a:t>Cost*</a:t>
+            </a:r>
+          </a:p>
+          <a:p>
+            <a:pPr marL="800100" lvl="1" indent="-342900">
+              <a:buClr>
+                <a:schemeClr val="accent1"/>
+              </a:buClr>
+              <a:buFontTx/>
+              <a:buChar char="-"/>
+            </a:pPr>
+            <a:r>
+              <a:rPr lang="en-US" sz="2400" b="1" dirty="0">
+                <a:solidFill>
+                  <a:srgbClr val="C00000"/>
+                </a:solidFill>
+                <a:latin typeface="Tahoma" panose="020B0604030504040204" pitchFamily="34" charset="0"/>
+                <a:ea typeface="Tahoma" panose="020B0604030504040204" pitchFamily="34" charset="0"/>
+                <a:cs typeface="Tahoma" panose="020B0604030504040204" pitchFamily="34" charset="0"/>
+              </a:rPr>
+              <a:t>$2,601</a:t>
+            </a:r>
+            <a:r>
+              <a:rPr lang="en-US" sz="2400" dirty="0">
+                <a:latin typeface="Tahoma" panose="020B0604030504040204" pitchFamily="34" charset="0"/>
+                <a:ea typeface="Tahoma" panose="020B0604030504040204" pitchFamily="34" charset="0"/>
+                <a:cs typeface="Tahoma" panose="020B0604030504040204" pitchFamily="34" charset="0"/>
+              </a:rPr>
+              <a:t> daily average cost for patients with AIS-A,-B, or –C</a:t>
+            </a:r>
+          </a:p>
+          <a:p>
+            <a:pPr marL="800100" lvl="1" indent="-342900">
+              <a:spcBef>
+                <a:spcPts val="1200"/>
+              </a:spcBef>
+              <a:buClr>
+                <a:schemeClr val="accent1"/>
+              </a:buClr>
+              <a:buFontTx/>
+              <a:buChar char="-"/>
+            </a:pPr>
+            <a:r>
+              <a:rPr lang="en-US" sz="2400" dirty="0">
+                <a:latin typeface="Tahoma" panose="020B0604030504040204" pitchFamily="34" charset="0"/>
+                <a:ea typeface="Tahoma" panose="020B0604030504040204" pitchFamily="34" charset="0"/>
+                <a:cs typeface="Tahoma" panose="020B0604030504040204" pitchFamily="34" charset="0"/>
+              </a:rPr>
+              <a:t>75% of patients are unemployed 10 years post injury</a:t>
+            </a:r>
+          </a:p>
+          <a:p>
+            <a:pPr marL="800100" lvl="1" indent="-342900">
+              <a:spcBef>
+                <a:spcPts val="1200"/>
+              </a:spcBef>
+              <a:buClr>
+                <a:schemeClr val="accent1"/>
+              </a:buClr>
+              <a:buFontTx/>
+              <a:buChar char="-"/>
+            </a:pPr>
+            <a:r>
+              <a:rPr lang="en-US" sz="2400" dirty="0">
+                <a:latin typeface="Tahoma" panose="020B0604030504040204" pitchFamily="34" charset="0"/>
+                <a:ea typeface="Tahoma" panose="020B0604030504040204" pitchFamily="34" charset="0"/>
+                <a:cs typeface="Tahoma" panose="020B0604030504040204" pitchFamily="34" charset="0"/>
+              </a:rPr>
+              <a:t>Lifetime cost: up to 5 Million</a:t>
+            </a:r>
+          </a:p>
+        </p:txBody>
+      </p:sp>
+      <p:sp>
+        <p:nvSpPr>
+          <p:cNvPr id="5" name="TextBox 4">
+            <a:extLst>
+              <a:ext uri="{FF2B5EF4-FFF2-40B4-BE49-F238E27FC236}">
+                <a16:creationId xmlns:a16="http://schemas.microsoft.com/office/drawing/2014/main" id="{613167C6-7208-C7F7-6405-4F73D8D1D8AD}"/>
+              </a:ext>
+            </a:extLst>
+          </p:cNvPr>
+          <p:cNvSpPr txBox="1"/>
+          <p:nvPr/>
+        </p:nvSpPr>
+        <p:spPr>
+          <a:xfrm>
+            <a:off x="670972" y="4786710"/>
+            <a:ext cx="9646705" cy="1938992"/>
+          </a:xfrm>
+          <a:prstGeom prst="rect">
+            <a:avLst/>
+          </a:prstGeom>
+          <a:noFill/>
+        </p:spPr>
+        <p:txBody>
+          <a:bodyPr wrap="square" rtlCol="0">
+            <a:spAutoFit/>
+          </a:bodyPr>
+          <a:lstStyle/>
+          <a:p>
+            <a:pPr marL="285750" indent="-285750">
+              <a:buClr>
+                <a:schemeClr val="accent1"/>
+              </a:buClr>
+              <a:buFont typeface="Arial" panose="020B0604020202020204" pitchFamily="34" charset="0"/>
+              <a:buChar char="•"/>
+            </a:pPr>
+            <a:r>
+              <a:rPr lang="en-US" sz="2400" dirty="0">
+                <a:solidFill>
+                  <a:schemeClr val="accent1"/>
+                </a:solidFill>
+                <a:latin typeface="Tahoma" panose="020B0604030504040204" pitchFamily="34" charset="0"/>
+                <a:ea typeface="Tahoma" panose="020B0604030504040204" pitchFamily="34" charset="0"/>
+                <a:cs typeface="Tahoma" panose="020B0604030504040204" pitchFamily="34" charset="0"/>
+              </a:rPr>
+              <a:t>Re-Hospitalization*</a:t>
+            </a:r>
+          </a:p>
+          <a:p>
+            <a:pPr marL="800100" lvl="1" indent="-342900">
+              <a:buClr>
+                <a:schemeClr val="accent1"/>
+              </a:buClr>
+              <a:buFontTx/>
+              <a:buChar char="-"/>
+            </a:pPr>
+            <a:r>
+              <a:rPr lang="en-US" sz="2400" dirty="0">
+                <a:latin typeface="Tahoma" panose="020B0604030504040204" pitchFamily="34" charset="0"/>
+                <a:ea typeface="Tahoma" panose="020B0604030504040204" pitchFamily="34" charset="0"/>
+                <a:cs typeface="Tahoma" panose="020B0604030504040204" pitchFamily="34" charset="0"/>
+              </a:rPr>
+              <a:t>Since 2015, about 30% of persons with SCI are re-hospitalized one or more times following injury</a:t>
+            </a:r>
+          </a:p>
+          <a:p>
+            <a:pPr marL="800100" lvl="1" indent="-342900">
+              <a:buClr>
+                <a:schemeClr val="accent1"/>
+              </a:buClr>
+              <a:buFontTx/>
+              <a:buChar char="-"/>
+            </a:pPr>
+            <a:r>
+              <a:rPr lang="en-US" sz="2400" dirty="0">
+                <a:latin typeface="Tahoma" panose="020B0604030504040204" pitchFamily="34" charset="0"/>
+                <a:ea typeface="Tahoma" panose="020B0604030504040204" pitchFamily="34" charset="0"/>
+                <a:cs typeface="Tahoma" panose="020B0604030504040204" pitchFamily="34" charset="0"/>
+              </a:rPr>
+              <a:t>Leading causes: disease of the skin, respiratory, digestive, circulatory, and musculoskeletal diseases</a:t>
+            </a:r>
+          </a:p>
+        </p:txBody>
+      </p:sp>
+      <p:sp>
+        <p:nvSpPr>
+          <p:cNvPr id="7" name="TextBox 6">
+            <a:extLst>
+              <a:ext uri="{FF2B5EF4-FFF2-40B4-BE49-F238E27FC236}">
+                <a16:creationId xmlns:a16="http://schemas.microsoft.com/office/drawing/2014/main" id="{2F019D3D-21CA-73E9-92A7-102E0FE8A081}"/>
+              </a:ext>
+            </a:extLst>
+          </p:cNvPr>
+          <p:cNvSpPr txBox="1"/>
+          <p:nvPr/>
+        </p:nvSpPr>
+        <p:spPr>
+          <a:xfrm>
+            <a:off x="7430903" y="6504562"/>
+            <a:ext cx="4749057" cy="369332"/>
+          </a:xfrm>
+          <a:prstGeom prst="rect">
+            <a:avLst/>
+          </a:prstGeom>
+          <a:noFill/>
+        </p:spPr>
+        <p:txBody>
+          <a:bodyPr wrap="none" rtlCol="0">
+            <a:spAutoFit/>
+          </a:bodyPr>
+          <a:lstStyle/>
+          <a:p>
+            <a:r>
+              <a:rPr lang="en-US" i="1" dirty="0">
+                <a:solidFill>
+                  <a:schemeClr val="bg1">
+                    <a:lumMod val="65000"/>
+                  </a:schemeClr>
+                </a:solidFill>
+              </a:rPr>
+              <a:t>*National SCI statistical Center, 2019 Data Sheet.</a:t>
+            </a:r>
+          </a:p>
+        </p:txBody>
+      </p:sp>
+      <p:cxnSp>
+        <p:nvCxnSpPr>
+          <p:cNvPr id="8" name="Straight Connector 7">
+            <a:extLst>
+              <a:ext uri="{FF2B5EF4-FFF2-40B4-BE49-F238E27FC236}">
+                <a16:creationId xmlns:a16="http://schemas.microsoft.com/office/drawing/2014/main" id="{37861C6C-3A00-406D-0D9F-9BE89265AF2C}"/>
+              </a:ext>
+            </a:extLst>
+          </p:cNvPr>
+          <p:cNvCxnSpPr>
+            <a:cxnSpLocks/>
+          </p:cNvCxnSpPr>
+          <p:nvPr/>
+        </p:nvCxnSpPr>
+        <p:spPr>
+          <a:xfrm flipV="1">
+            <a:off x="670972" y="875489"/>
+            <a:ext cx="5592668" cy="11285"/>
+          </a:xfrm>
+          <a:prstGeom prst="line">
+            <a:avLst/>
+          </a:prstGeom>
+          <a:ln w="25400"/>
+        </p:spPr>
+        <p:style>
+          <a:lnRef idx="1">
+            <a:schemeClr val="accent1"/>
+          </a:lnRef>
+          <a:fillRef idx="0">
+            <a:schemeClr val="accent1"/>
+          </a:fillRef>
+          <a:effectRef idx="0">
+            <a:schemeClr val="accent1"/>
+          </a:effectRef>
+          <a:fontRef idx="minor">
+            <a:schemeClr val="tx1"/>
+          </a:fontRef>
+        </p:style>
+      </p:cxnSp>
+      <p:pic>
+        <p:nvPicPr>
+          <p:cNvPr id="13" name="Picture 12">
+            <a:extLst>
+              <a:ext uri="{FF2B5EF4-FFF2-40B4-BE49-F238E27FC236}">
+                <a16:creationId xmlns:a16="http://schemas.microsoft.com/office/drawing/2014/main" id="{72169498-28A6-35A9-F566-5DBCFCCB9ADD}"/>
+              </a:ext>
+            </a:extLst>
+          </p:cNvPr>
+          <p:cNvPicPr>
+            <a:picLocks noChangeAspect="1"/>
+          </p:cNvPicPr>
+          <p:nvPr/>
+        </p:nvPicPr>
+        <p:blipFill>
+          <a:blip r:embed="rId2"/>
+          <a:stretch>
+            <a:fillRect/>
+          </a:stretch>
+        </p:blipFill>
+        <p:spPr>
+          <a:xfrm>
+            <a:off x="1887524" y="3146772"/>
+            <a:ext cx="7213600" cy="1409700"/>
+          </a:xfrm>
+          <a:prstGeom prst="rect">
+            <a:avLst/>
+          </a:prstGeom>
+        </p:spPr>
+      </p:pic>
+    </p:spTree>
+    <p:extLst>
+      <p:ext uri="{BB962C8B-B14F-4D97-AF65-F5344CB8AC3E}">
+        <p14:creationId xmlns:p14="http://schemas.microsoft.com/office/powerpoint/2010/main" val="2370859145"/>
+      </p:ext>
+    </p:extLst>
+  </p:cSld>
+  <p:clrMapOvr>
+    <a:masterClrMapping/>
+  </p:clrMapOvr>
+</p:sld>
+</file>
+
+<file path=ppt/slides/slide4.xml><?xml version="1.0" encoding="utf-8"?>
+<p:sld xmlns:a="http://schemas.openxmlformats.org/drawingml/2006/main" xmlns:r="http://schemas.openxmlformats.org/officeDocument/2006/relationships" xmlns:p="http://schemas.openxmlformats.org/presentationml/2006/main">
+  <p:cSld>
+    <p:spTree>
+      <p:nvGrpSpPr>
+        <p:cNvPr id="1" name=""/>
+        <p:cNvGrpSpPr/>
+        <p:nvPr/>
+      </p:nvGrpSpPr>
+      <p:grpSpPr>
+        <a:xfrm>
+          <a:off x="0" y="0"/>
+          <a:ext cx="0" cy="0"/>
+          <a:chOff x="0" y="0"/>
+          <a:chExt cx="0" cy="0"/>
+        </a:xfrm>
+      </p:grpSpPr>
+      <p:sp>
+        <p:nvSpPr>
+          <p:cNvPr id="5" name="TextBox 4">
+            <a:extLst>
+              <a:ext uri="{FF2B5EF4-FFF2-40B4-BE49-F238E27FC236}">
+                <a16:creationId xmlns:a16="http://schemas.microsoft.com/office/drawing/2014/main" id="{29058C77-5432-26B9-8165-DF4E2544F034}"/>
+              </a:ext>
+            </a:extLst>
+          </p:cNvPr>
+          <p:cNvSpPr txBox="1"/>
+          <p:nvPr/>
+        </p:nvSpPr>
+        <p:spPr>
+          <a:xfrm>
+            <a:off x="500061" y="409694"/>
+            <a:ext cx="10408089" cy="707886"/>
+          </a:xfrm>
+          <a:prstGeom prst="rect">
+            <a:avLst/>
+          </a:prstGeom>
+          <a:noFill/>
+        </p:spPr>
+        <p:txBody>
+          <a:bodyPr wrap="square">
+            <a:spAutoFit/>
+          </a:bodyPr>
+          <a:lstStyle/>
+          <a:p>
+            <a:r>
+              <a:rPr lang="en-US" sz="4000" dirty="0">
+                <a:solidFill>
+                  <a:schemeClr val="accent1"/>
+                </a:solidFill>
+                <a:latin typeface="Tahoma" panose="020B0604030504040204" pitchFamily="34" charset="0"/>
+                <a:ea typeface="Tahoma" panose="020B0604030504040204" pitchFamily="34" charset="0"/>
+                <a:cs typeface="Tahoma" panose="020B0604030504040204" pitchFamily="34" charset="0"/>
+              </a:rPr>
+              <a:t>The Pathology of Human Spinal Cord Injury*</a:t>
+            </a:r>
+          </a:p>
+        </p:txBody>
+      </p:sp>
+      <p:graphicFrame>
+        <p:nvGraphicFramePr>
+          <p:cNvPr id="6" name="Table 6">
+            <a:extLst>
+              <a:ext uri="{FF2B5EF4-FFF2-40B4-BE49-F238E27FC236}">
+                <a16:creationId xmlns:a16="http://schemas.microsoft.com/office/drawing/2014/main" id="{0CD488F3-4E27-8B7B-1185-96855A87F554}"/>
+              </a:ext>
+            </a:extLst>
+          </p:cNvPr>
+          <p:cNvGraphicFramePr>
+            <a:graphicFrameLocks noGrp="1"/>
+          </p:cNvGraphicFramePr>
+          <p:nvPr>
+            <p:extLst>
+              <p:ext uri="{D42A27DB-BD31-4B8C-83A1-F6EECF244321}">
+                <p14:modId xmlns:p14="http://schemas.microsoft.com/office/powerpoint/2010/main" val="2779607209"/>
+              </p:ext>
+            </p:extLst>
+          </p:nvPr>
+        </p:nvGraphicFramePr>
+        <p:xfrm>
+          <a:off x="277982" y="4529124"/>
+          <a:ext cx="2811074" cy="370840"/>
+        </p:xfrm>
+        <a:graphic>
+          <a:graphicData uri="http://schemas.openxmlformats.org/drawingml/2006/table">
+            <a:tbl>
+              <a:tblPr firstRow="1" bandRow="1">
+                <a:tableStyleId>{5C22544A-7EE6-4342-B048-85BDC9FD1C3A}</a:tableStyleId>
+              </a:tblPr>
+              <a:tblGrid>
+                <a:gridCol w="2811074">
+                  <a:extLst>
+                    <a:ext uri="{9D8B030D-6E8A-4147-A177-3AD203B41FA5}">
+                      <a16:colId xmlns:a16="http://schemas.microsoft.com/office/drawing/2014/main" val="1128250669"/>
+                    </a:ext>
+                  </a:extLst>
+                </a:gridCol>
+              </a:tblGrid>
+              <a:tr h="370840">
+                <a:tc>
+                  <a:txBody>
+                    <a:bodyPr/>
+                    <a:lstStyle/>
+                    <a:p>
+                      <a:pPr algn="ctr"/>
+                      <a:r>
+                        <a:rPr lang="en-US" dirty="0">
+                          <a:solidFill>
+                            <a:schemeClr val="bg1"/>
+                          </a:solidFill>
+                        </a:rPr>
+                        <a:t>Normal Spinal Cord</a:t>
+                      </a:r>
+                    </a:p>
+                  </a:txBody>
+                  <a:tcPr/>
+                </a:tc>
+                <a:extLst>
+                  <a:ext uri="{0D108BD9-81ED-4DB2-BD59-A6C34878D82A}">
+                    <a16:rowId xmlns:a16="http://schemas.microsoft.com/office/drawing/2014/main" val="3494803040"/>
+                  </a:ext>
+                </a:extLst>
+              </a:tr>
+            </a:tbl>
+          </a:graphicData>
+        </a:graphic>
+      </p:graphicFrame>
+      <p:pic>
+        <p:nvPicPr>
+          <p:cNvPr id="8" name="Picture 7">
+            <a:extLst>
+              <a:ext uri="{FF2B5EF4-FFF2-40B4-BE49-F238E27FC236}">
+                <a16:creationId xmlns:a16="http://schemas.microsoft.com/office/drawing/2014/main" id="{F5E3A899-BFA0-79A9-3D31-042A4200941C}"/>
+              </a:ext>
+            </a:extLst>
+          </p:cNvPr>
+          <p:cNvPicPr>
+            <a:picLocks noChangeAspect="1"/>
+          </p:cNvPicPr>
+          <p:nvPr/>
+        </p:nvPicPr>
+        <p:blipFill>
+          <a:blip r:embed="rId2"/>
+          <a:stretch>
+            <a:fillRect/>
+          </a:stretch>
+        </p:blipFill>
+        <p:spPr>
+          <a:xfrm>
+            <a:off x="135939" y="2366152"/>
+            <a:ext cx="2953117" cy="2059940"/>
+          </a:xfrm>
+          <a:prstGeom prst="rect">
+            <a:avLst/>
+          </a:prstGeom>
+        </p:spPr>
+      </p:pic>
+      <p:pic>
+        <p:nvPicPr>
+          <p:cNvPr id="10" name="Picture 9">
+            <a:extLst>
+              <a:ext uri="{FF2B5EF4-FFF2-40B4-BE49-F238E27FC236}">
+                <a16:creationId xmlns:a16="http://schemas.microsoft.com/office/drawing/2014/main" id="{69394EA9-ED3B-80D4-C17A-CFAF0805CE3C}"/>
+              </a:ext>
+            </a:extLst>
+          </p:cNvPr>
+          <p:cNvPicPr>
+            <a:picLocks noChangeAspect="1"/>
+          </p:cNvPicPr>
+          <p:nvPr/>
+        </p:nvPicPr>
+        <p:blipFill>
+          <a:blip r:embed="rId3"/>
+          <a:stretch>
+            <a:fillRect/>
+          </a:stretch>
+        </p:blipFill>
+        <p:spPr>
+          <a:xfrm>
+            <a:off x="3354895" y="2478465"/>
+            <a:ext cx="2953118" cy="1901070"/>
+          </a:xfrm>
+          <a:prstGeom prst="rect">
+            <a:avLst/>
+          </a:prstGeom>
+        </p:spPr>
+      </p:pic>
+      <p:pic>
+        <p:nvPicPr>
+          <p:cNvPr id="12" name="Picture 11">
+            <a:extLst>
+              <a:ext uri="{FF2B5EF4-FFF2-40B4-BE49-F238E27FC236}">
+                <a16:creationId xmlns:a16="http://schemas.microsoft.com/office/drawing/2014/main" id="{7134C82D-53F4-438F-31A5-C77413E65FFE}"/>
+              </a:ext>
+            </a:extLst>
+          </p:cNvPr>
+          <p:cNvPicPr>
+            <a:picLocks noChangeAspect="1"/>
+          </p:cNvPicPr>
+          <p:nvPr/>
+        </p:nvPicPr>
+        <p:blipFill>
+          <a:blip r:embed="rId4"/>
+          <a:stretch>
+            <a:fillRect/>
+          </a:stretch>
+        </p:blipFill>
+        <p:spPr>
+          <a:xfrm>
+            <a:off x="6573852" y="2593252"/>
+            <a:ext cx="3049059" cy="1901070"/>
+          </a:xfrm>
+          <a:prstGeom prst="rect">
+            <a:avLst/>
+          </a:prstGeom>
+        </p:spPr>
+      </p:pic>
+      <p:pic>
+        <p:nvPicPr>
+          <p:cNvPr id="14" name="Picture 13">
+            <a:extLst>
+              <a:ext uri="{FF2B5EF4-FFF2-40B4-BE49-F238E27FC236}">
+                <a16:creationId xmlns:a16="http://schemas.microsoft.com/office/drawing/2014/main" id="{7FB0CA08-E1B4-A734-B9FE-AEA5E6521892}"/>
+              </a:ext>
+            </a:extLst>
+          </p:cNvPr>
+          <p:cNvPicPr>
+            <a:picLocks noChangeAspect="1"/>
+          </p:cNvPicPr>
+          <p:nvPr/>
+        </p:nvPicPr>
+        <p:blipFill>
+          <a:blip r:embed="rId5"/>
+          <a:stretch>
+            <a:fillRect/>
+          </a:stretch>
+        </p:blipFill>
+        <p:spPr>
+          <a:xfrm>
+            <a:off x="9442442" y="2532164"/>
+            <a:ext cx="2736191" cy="1821223"/>
+          </a:xfrm>
+          <a:prstGeom prst="rect">
+            <a:avLst/>
+          </a:prstGeom>
+        </p:spPr>
+      </p:pic>
+      <p:graphicFrame>
+        <p:nvGraphicFramePr>
+          <p:cNvPr id="15" name="Table 6">
+            <a:extLst>
+              <a:ext uri="{FF2B5EF4-FFF2-40B4-BE49-F238E27FC236}">
+                <a16:creationId xmlns:a16="http://schemas.microsoft.com/office/drawing/2014/main" id="{EB159FEE-C37F-6DF3-753E-8B40253A7720}"/>
+              </a:ext>
+            </a:extLst>
+          </p:cNvPr>
+          <p:cNvGraphicFramePr>
+            <a:graphicFrameLocks noGrp="1"/>
+          </p:cNvGraphicFramePr>
+          <p:nvPr>
+            <p:extLst>
+              <p:ext uri="{D42A27DB-BD31-4B8C-83A1-F6EECF244321}">
+                <p14:modId xmlns:p14="http://schemas.microsoft.com/office/powerpoint/2010/main" val="1887089319"/>
+              </p:ext>
+            </p:extLst>
+          </p:nvPr>
+        </p:nvGraphicFramePr>
+        <p:xfrm>
+          <a:off x="3762778" y="4534204"/>
+          <a:ext cx="2811074" cy="365760"/>
+        </p:xfrm>
+        <a:graphic>
+          <a:graphicData uri="http://schemas.openxmlformats.org/drawingml/2006/table">
+            <a:tbl>
+              <a:tblPr firstRow="1" bandRow="1">
+                <a:tableStyleId>{5C22544A-7EE6-4342-B048-85BDC9FD1C3A}</a:tableStyleId>
+              </a:tblPr>
+              <a:tblGrid>
+                <a:gridCol w="2811074">
+                  <a:extLst>
+                    <a:ext uri="{9D8B030D-6E8A-4147-A177-3AD203B41FA5}">
+                      <a16:colId xmlns:a16="http://schemas.microsoft.com/office/drawing/2014/main" val="1128250669"/>
+                    </a:ext>
+                  </a:extLst>
+                </a:gridCol>
+              </a:tblGrid>
+              <a:tr h="346813">
+                <a:tc>
+                  <a:txBody>
+                    <a:bodyPr/>
+                    <a:lstStyle/>
+                    <a:p>
+                      <a:pPr algn="ctr"/>
+                      <a:r>
+                        <a:rPr lang="en-US" dirty="0">
+                          <a:solidFill>
+                            <a:schemeClr val="bg1"/>
+                          </a:solidFill>
+                        </a:rPr>
+                        <a:t>Acute Stage</a:t>
+                      </a:r>
+                    </a:p>
+                  </a:txBody>
+                  <a:tcPr/>
+                </a:tc>
+                <a:extLst>
+                  <a:ext uri="{0D108BD9-81ED-4DB2-BD59-A6C34878D82A}">
+                    <a16:rowId xmlns:a16="http://schemas.microsoft.com/office/drawing/2014/main" val="3494803040"/>
+                  </a:ext>
+                </a:extLst>
+              </a:tr>
+            </a:tbl>
+          </a:graphicData>
+        </a:graphic>
+      </p:graphicFrame>
+      <p:graphicFrame>
+        <p:nvGraphicFramePr>
+          <p:cNvPr id="16" name="Table 6">
+            <a:extLst>
+              <a:ext uri="{FF2B5EF4-FFF2-40B4-BE49-F238E27FC236}">
+                <a16:creationId xmlns:a16="http://schemas.microsoft.com/office/drawing/2014/main" id="{090064A0-FA3D-CDA8-F8D6-8EF014B89247}"/>
+              </a:ext>
+            </a:extLst>
+          </p:cNvPr>
+          <p:cNvGraphicFramePr>
+            <a:graphicFrameLocks noGrp="1"/>
+          </p:cNvGraphicFramePr>
+          <p:nvPr>
+            <p:extLst>
+              <p:ext uri="{D42A27DB-BD31-4B8C-83A1-F6EECF244321}">
+                <p14:modId xmlns:p14="http://schemas.microsoft.com/office/powerpoint/2010/main" val="2251030233"/>
+              </p:ext>
+            </p:extLst>
+          </p:nvPr>
+        </p:nvGraphicFramePr>
+        <p:xfrm>
+          <a:off x="6818396" y="4546424"/>
+          <a:ext cx="2686492" cy="365760"/>
+        </p:xfrm>
+        <a:graphic>
+          <a:graphicData uri="http://schemas.openxmlformats.org/drawingml/2006/table">
+            <a:tbl>
+              <a:tblPr firstRow="1" bandRow="1">
+                <a:tableStyleId>{5C22544A-7EE6-4342-B048-85BDC9FD1C3A}</a:tableStyleId>
+              </a:tblPr>
+              <a:tblGrid>
+                <a:gridCol w="2686492">
+                  <a:extLst>
+                    <a:ext uri="{9D8B030D-6E8A-4147-A177-3AD203B41FA5}">
+                      <a16:colId xmlns:a16="http://schemas.microsoft.com/office/drawing/2014/main" val="1128250669"/>
+                    </a:ext>
+                  </a:extLst>
+                </a:gridCol>
+              </a:tblGrid>
+              <a:tr h="365760">
+                <a:tc>
+                  <a:txBody>
+                    <a:bodyPr/>
+                    <a:lstStyle/>
+                    <a:p>
+                      <a:pPr algn="ctr"/>
+                      <a:r>
+                        <a:rPr lang="en-US" dirty="0">
+                          <a:solidFill>
+                            <a:schemeClr val="bg1"/>
+                          </a:solidFill>
+                        </a:rPr>
+                        <a:t>Intermediate Phase</a:t>
+                      </a:r>
+                    </a:p>
+                  </a:txBody>
+                  <a:tcPr/>
+                </a:tc>
+                <a:extLst>
+                  <a:ext uri="{0D108BD9-81ED-4DB2-BD59-A6C34878D82A}">
+                    <a16:rowId xmlns:a16="http://schemas.microsoft.com/office/drawing/2014/main" val="3494803040"/>
+                  </a:ext>
+                </a:extLst>
+              </a:tr>
+            </a:tbl>
+          </a:graphicData>
+        </a:graphic>
+      </p:graphicFrame>
+      <p:graphicFrame>
+        <p:nvGraphicFramePr>
+          <p:cNvPr id="17" name="Table 6">
+            <a:extLst>
+              <a:ext uri="{FF2B5EF4-FFF2-40B4-BE49-F238E27FC236}">
+                <a16:creationId xmlns:a16="http://schemas.microsoft.com/office/drawing/2014/main" id="{9CC0CFAA-8DD4-81F4-383F-9EA74096221E}"/>
+              </a:ext>
+            </a:extLst>
+          </p:cNvPr>
+          <p:cNvGraphicFramePr>
+            <a:graphicFrameLocks noGrp="1"/>
+          </p:cNvGraphicFramePr>
+          <p:nvPr>
+            <p:extLst>
+              <p:ext uri="{D42A27DB-BD31-4B8C-83A1-F6EECF244321}">
+                <p14:modId xmlns:p14="http://schemas.microsoft.com/office/powerpoint/2010/main" val="3842505081"/>
+              </p:ext>
+            </p:extLst>
+          </p:nvPr>
+        </p:nvGraphicFramePr>
+        <p:xfrm>
+          <a:off x="9749432" y="4538442"/>
+          <a:ext cx="2317439" cy="365760"/>
+        </p:xfrm>
+        <a:graphic>
+          <a:graphicData uri="http://schemas.openxmlformats.org/drawingml/2006/table">
+            <a:tbl>
+              <a:tblPr firstRow="1" bandRow="1">
+                <a:tableStyleId>{5C22544A-7EE6-4342-B048-85BDC9FD1C3A}</a:tableStyleId>
+              </a:tblPr>
+              <a:tblGrid>
+                <a:gridCol w="2317439">
+                  <a:extLst>
+                    <a:ext uri="{9D8B030D-6E8A-4147-A177-3AD203B41FA5}">
+                      <a16:colId xmlns:a16="http://schemas.microsoft.com/office/drawing/2014/main" val="1128250669"/>
+                    </a:ext>
+                  </a:extLst>
+                </a:gridCol>
+              </a:tblGrid>
+              <a:tr h="209767">
+                <a:tc>
+                  <a:txBody>
+                    <a:bodyPr/>
+                    <a:lstStyle/>
+                    <a:p>
+                      <a:pPr algn="ctr"/>
+                      <a:r>
+                        <a:rPr lang="en-US" dirty="0">
+                          <a:solidFill>
+                            <a:schemeClr val="bg1"/>
+                          </a:solidFill>
+                        </a:rPr>
+                        <a:t>Late Phase</a:t>
+                      </a:r>
+                    </a:p>
+                  </a:txBody>
+                  <a:tcPr/>
+                </a:tc>
+                <a:extLst>
+                  <a:ext uri="{0D108BD9-81ED-4DB2-BD59-A6C34878D82A}">
+                    <a16:rowId xmlns:a16="http://schemas.microsoft.com/office/drawing/2014/main" val="3494803040"/>
+                  </a:ext>
+                </a:extLst>
+              </a:tr>
+            </a:tbl>
+          </a:graphicData>
+        </a:graphic>
+      </p:graphicFrame>
+      <p:cxnSp>
+        <p:nvCxnSpPr>
+          <p:cNvPr id="20" name="Straight Connector 19">
+            <a:extLst>
+              <a:ext uri="{FF2B5EF4-FFF2-40B4-BE49-F238E27FC236}">
+                <a16:creationId xmlns:a16="http://schemas.microsoft.com/office/drawing/2014/main" id="{8FDD9CB3-E651-428F-2903-F65D0A472074}"/>
+              </a:ext>
+            </a:extLst>
+          </p:cNvPr>
+          <p:cNvCxnSpPr>
+            <a:cxnSpLocks/>
+          </p:cNvCxnSpPr>
+          <p:nvPr/>
+        </p:nvCxnSpPr>
+        <p:spPr>
+          <a:xfrm>
+            <a:off x="277981" y="4494322"/>
+            <a:ext cx="11788890" cy="0"/>
+          </a:xfrm>
+          <a:prstGeom prst="line">
+            <a:avLst/>
+          </a:prstGeom>
+        </p:spPr>
+        <p:style>
+          <a:lnRef idx="1">
+            <a:schemeClr val="accent1"/>
+          </a:lnRef>
+          <a:fillRef idx="0">
+            <a:schemeClr val="accent1"/>
+          </a:fillRef>
+          <a:effectRef idx="0">
+            <a:schemeClr val="accent1"/>
+          </a:effectRef>
+          <a:fontRef idx="minor">
+            <a:schemeClr val="tx1"/>
+          </a:fontRef>
+        </p:style>
+      </p:cxnSp>
+      <p:cxnSp>
+        <p:nvCxnSpPr>
+          <p:cNvPr id="23" name="Straight Connector 22">
+            <a:extLst>
+              <a:ext uri="{FF2B5EF4-FFF2-40B4-BE49-F238E27FC236}">
+                <a16:creationId xmlns:a16="http://schemas.microsoft.com/office/drawing/2014/main" id="{734B5A9F-7AB0-EFB5-1224-36C813EFEF75}"/>
+              </a:ext>
+            </a:extLst>
+          </p:cNvPr>
+          <p:cNvCxnSpPr>
+            <a:cxnSpLocks/>
+          </p:cNvCxnSpPr>
+          <p:nvPr/>
+        </p:nvCxnSpPr>
+        <p:spPr>
+          <a:xfrm>
+            <a:off x="3762778" y="5194053"/>
+            <a:ext cx="8304093" cy="0"/>
+          </a:xfrm>
+          <a:prstGeom prst="line">
+            <a:avLst/>
+          </a:prstGeom>
+          <a:ln>
+            <a:tailEnd type="triangle"/>
+          </a:ln>
+        </p:spPr>
+        <p:style>
+          <a:lnRef idx="1">
+            <a:schemeClr val="accent1"/>
+          </a:lnRef>
+          <a:fillRef idx="0">
+            <a:schemeClr val="accent1"/>
+          </a:fillRef>
+          <a:effectRef idx="0">
+            <a:schemeClr val="accent1"/>
+          </a:effectRef>
+          <a:fontRef idx="minor">
+            <a:schemeClr val="tx1"/>
+          </a:fontRef>
+        </p:style>
+      </p:cxnSp>
+      <p:sp>
+        <p:nvSpPr>
+          <p:cNvPr id="26" name="Oval 25">
+            <a:extLst>
+              <a:ext uri="{FF2B5EF4-FFF2-40B4-BE49-F238E27FC236}">
+                <a16:creationId xmlns:a16="http://schemas.microsoft.com/office/drawing/2014/main" id="{52C44CF8-C941-9251-80E1-553AB8C1519D}"/>
+              </a:ext>
+            </a:extLst>
+          </p:cNvPr>
+          <p:cNvSpPr/>
+          <p:nvPr/>
+        </p:nvSpPr>
+        <p:spPr>
+          <a:xfrm>
+            <a:off x="5035150" y="5131909"/>
+            <a:ext cx="133165" cy="124288"/>
+          </a:xfrm>
+          <a:prstGeom prst="ellipse">
+            <a:avLst/>
+          </a:prstGeom>
+        </p:spPr>
+        <p:style>
+          <a:lnRef idx="2">
+            <a:schemeClr val="accent1">
+              <a:shade val="50000"/>
+            </a:schemeClr>
+          </a:lnRef>
+          <a:fillRef idx="1">
+            <a:schemeClr val="accent1"/>
+          </a:fillRef>
+          <a:effectRef idx="0">
+            <a:schemeClr val="accent1"/>
+          </a:effectRef>
+          <a:fontRef idx="minor">
+            <a:schemeClr val="lt1"/>
+          </a:fontRef>
+        </p:style>
+        <p:txBody>
+          <a:bodyPr rtlCol="0" anchor="ctr"/>
+          <a:lstStyle/>
+          <a:p>
+            <a:pPr algn="ctr"/>
+            <a:endParaRPr lang="en-US"/>
+          </a:p>
+        </p:txBody>
+      </p:sp>
+      <p:sp>
+        <p:nvSpPr>
+          <p:cNvPr id="27" name="Oval 26">
+            <a:extLst>
+              <a:ext uri="{FF2B5EF4-FFF2-40B4-BE49-F238E27FC236}">
+                <a16:creationId xmlns:a16="http://schemas.microsoft.com/office/drawing/2014/main" id="{8FC7F485-0E2F-A4D8-4D7E-8962A4D28295}"/>
+              </a:ext>
+            </a:extLst>
+          </p:cNvPr>
+          <p:cNvSpPr/>
+          <p:nvPr/>
+        </p:nvSpPr>
+        <p:spPr>
+          <a:xfrm>
+            <a:off x="8161642" y="5131909"/>
+            <a:ext cx="133165" cy="124288"/>
+          </a:xfrm>
+          <a:prstGeom prst="ellipse">
+            <a:avLst/>
+          </a:prstGeom>
+        </p:spPr>
+        <p:style>
+          <a:lnRef idx="2">
+            <a:schemeClr val="accent1">
+              <a:shade val="50000"/>
+            </a:schemeClr>
+          </a:lnRef>
+          <a:fillRef idx="1">
+            <a:schemeClr val="accent1"/>
+          </a:fillRef>
+          <a:effectRef idx="0">
+            <a:schemeClr val="accent1"/>
+          </a:effectRef>
+          <a:fontRef idx="minor">
+            <a:schemeClr val="lt1"/>
+          </a:fontRef>
+        </p:style>
+        <p:txBody>
+          <a:bodyPr rtlCol="0" anchor="ctr"/>
+          <a:lstStyle/>
+          <a:p>
+            <a:pPr algn="ctr"/>
+            <a:endParaRPr lang="en-US"/>
+          </a:p>
+        </p:txBody>
+      </p:sp>
+      <p:sp>
+        <p:nvSpPr>
+          <p:cNvPr id="28" name="Oval 27">
+            <a:extLst>
+              <a:ext uri="{FF2B5EF4-FFF2-40B4-BE49-F238E27FC236}">
+                <a16:creationId xmlns:a16="http://schemas.microsoft.com/office/drawing/2014/main" id="{9D70343B-82BB-D5CC-6C39-AEDD243F9748}"/>
+              </a:ext>
+            </a:extLst>
+          </p:cNvPr>
+          <p:cNvSpPr/>
+          <p:nvPr/>
+        </p:nvSpPr>
+        <p:spPr>
+          <a:xfrm>
+            <a:off x="10908151" y="5131909"/>
+            <a:ext cx="133165" cy="124288"/>
+          </a:xfrm>
+          <a:prstGeom prst="ellipse">
+            <a:avLst/>
+          </a:prstGeom>
+        </p:spPr>
+        <p:style>
+          <a:lnRef idx="2">
+            <a:schemeClr val="accent1">
+              <a:shade val="50000"/>
+            </a:schemeClr>
+          </a:lnRef>
+          <a:fillRef idx="1">
+            <a:schemeClr val="accent1"/>
+          </a:fillRef>
+          <a:effectRef idx="0">
+            <a:schemeClr val="accent1"/>
+          </a:effectRef>
+          <a:fontRef idx="minor">
+            <a:schemeClr val="lt1"/>
+          </a:fontRef>
+        </p:style>
+        <p:txBody>
+          <a:bodyPr rtlCol="0" anchor="ctr"/>
+          <a:lstStyle/>
+          <a:p>
+            <a:pPr algn="ctr"/>
+            <a:endParaRPr lang="en-US"/>
+          </a:p>
+        </p:txBody>
+      </p:sp>
+      <p:sp>
+        <p:nvSpPr>
+          <p:cNvPr id="29" name="TextBox 28">
+            <a:extLst>
+              <a:ext uri="{FF2B5EF4-FFF2-40B4-BE49-F238E27FC236}">
+                <a16:creationId xmlns:a16="http://schemas.microsoft.com/office/drawing/2014/main" id="{B3947649-F4EB-0D69-F8D4-6060CB04EEEB}"/>
+              </a:ext>
+            </a:extLst>
+          </p:cNvPr>
+          <p:cNvSpPr txBox="1"/>
+          <p:nvPr/>
+        </p:nvSpPr>
+        <p:spPr>
+          <a:xfrm>
+            <a:off x="4323413" y="5291257"/>
+            <a:ext cx="2080891" cy="369332"/>
+          </a:xfrm>
+          <a:prstGeom prst="rect">
+            <a:avLst/>
+          </a:prstGeom>
+          <a:noFill/>
+        </p:spPr>
+        <p:txBody>
+          <a:bodyPr wrap="none" rtlCol="0">
+            <a:spAutoFit/>
+          </a:bodyPr>
+          <a:lstStyle/>
+          <a:p>
+            <a:r>
+              <a:rPr lang="en-US" b="1" dirty="0">
+                <a:solidFill>
+                  <a:schemeClr val="accent1">
+                    <a:lumMod val="50000"/>
+                  </a:schemeClr>
+                </a:solidFill>
+              </a:rPr>
+              <a:t>Hours to 1 to 2 days</a:t>
+            </a:r>
+          </a:p>
+        </p:txBody>
+      </p:sp>
+      <p:sp>
+        <p:nvSpPr>
+          <p:cNvPr id="30" name="TextBox 29">
+            <a:extLst>
+              <a:ext uri="{FF2B5EF4-FFF2-40B4-BE49-F238E27FC236}">
+                <a16:creationId xmlns:a16="http://schemas.microsoft.com/office/drawing/2014/main" id="{894F71AA-321D-9112-12B4-E3E0F3E5D228}"/>
+              </a:ext>
+            </a:extLst>
+          </p:cNvPr>
+          <p:cNvSpPr txBox="1"/>
+          <p:nvPr/>
+        </p:nvSpPr>
+        <p:spPr>
+          <a:xfrm>
+            <a:off x="7454807" y="5306078"/>
+            <a:ext cx="1546834" cy="369332"/>
+          </a:xfrm>
+          <a:prstGeom prst="rect">
+            <a:avLst/>
+          </a:prstGeom>
+          <a:noFill/>
+        </p:spPr>
+        <p:txBody>
+          <a:bodyPr wrap="none" rtlCol="0">
+            <a:spAutoFit/>
+          </a:bodyPr>
+          <a:lstStyle/>
+          <a:p>
+            <a:r>
+              <a:rPr lang="en-US" b="1" dirty="0">
+                <a:solidFill>
+                  <a:schemeClr val="accent1">
+                    <a:lumMod val="50000"/>
+                  </a:schemeClr>
+                </a:solidFill>
+              </a:rPr>
+              <a:t>Days to weeks</a:t>
+            </a:r>
+          </a:p>
+        </p:txBody>
+      </p:sp>
+      <p:sp>
+        <p:nvSpPr>
+          <p:cNvPr id="31" name="TextBox 30">
+            <a:extLst>
+              <a:ext uri="{FF2B5EF4-FFF2-40B4-BE49-F238E27FC236}">
+                <a16:creationId xmlns:a16="http://schemas.microsoft.com/office/drawing/2014/main" id="{D8B619B0-0CDA-1732-7517-4FB06AF06497}"/>
+              </a:ext>
+            </a:extLst>
+          </p:cNvPr>
+          <p:cNvSpPr txBox="1"/>
+          <p:nvPr/>
+        </p:nvSpPr>
+        <p:spPr>
+          <a:xfrm>
+            <a:off x="10267899" y="5306078"/>
+            <a:ext cx="1866152" cy="369332"/>
+          </a:xfrm>
+          <a:prstGeom prst="rect">
+            <a:avLst/>
+          </a:prstGeom>
+          <a:noFill/>
+        </p:spPr>
+        <p:txBody>
+          <a:bodyPr wrap="none" rtlCol="0">
+            <a:spAutoFit/>
+          </a:bodyPr>
+          <a:lstStyle/>
+          <a:p>
+            <a:r>
+              <a:rPr lang="en-US" b="1" dirty="0">
+                <a:solidFill>
+                  <a:schemeClr val="accent1">
+                    <a:lumMod val="50000"/>
+                  </a:schemeClr>
+                </a:solidFill>
+              </a:rPr>
+              <a:t>Weeks to Months</a:t>
+            </a:r>
+          </a:p>
+        </p:txBody>
+      </p:sp>
+      <p:sp>
+        <p:nvSpPr>
+          <p:cNvPr id="32" name="TextBox 31">
+            <a:extLst>
+              <a:ext uri="{FF2B5EF4-FFF2-40B4-BE49-F238E27FC236}">
+                <a16:creationId xmlns:a16="http://schemas.microsoft.com/office/drawing/2014/main" id="{3B0EF01F-ACD3-91B5-0D7B-C9CBBD18911F}"/>
+              </a:ext>
+            </a:extLst>
+          </p:cNvPr>
+          <p:cNvSpPr txBox="1"/>
+          <p:nvPr/>
+        </p:nvSpPr>
+        <p:spPr>
+          <a:xfrm>
+            <a:off x="7430903" y="6504562"/>
+            <a:ext cx="4585294" cy="369332"/>
+          </a:xfrm>
+          <a:prstGeom prst="rect">
+            <a:avLst/>
+          </a:prstGeom>
+          <a:noFill/>
+        </p:spPr>
+        <p:txBody>
+          <a:bodyPr wrap="none" rtlCol="0">
+            <a:spAutoFit/>
+          </a:bodyPr>
+          <a:lstStyle/>
+          <a:p>
+            <a:r>
+              <a:rPr lang="en-US" i="1" dirty="0">
+                <a:solidFill>
+                  <a:schemeClr val="bg1">
+                    <a:lumMod val="65000"/>
+                  </a:schemeClr>
+                </a:solidFill>
+              </a:rPr>
+              <a:t>*The pathology of Human SCI, </a:t>
+            </a:r>
+            <a:r>
+              <a:rPr lang="en-US" i="1" dirty="0" err="1">
+                <a:solidFill>
+                  <a:schemeClr val="bg1">
+                    <a:lumMod val="65000"/>
+                  </a:schemeClr>
+                </a:solidFill>
+              </a:rPr>
+              <a:t>Norenberg</a:t>
+            </a:r>
+            <a:r>
+              <a:rPr lang="en-US" i="1" dirty="0">
+                <a:solidFill>
+                  <a:schemeClr val="bg1">
+                    <a:lumMod val="65000"/>
+                  </a:schemeClr>
+                </a:solidFill>
+              </a:rPr>
+              <a:t> et al.</a:t>
+            </a:r>
+          </a:p>
+        </p:txBody>
+      </p:sp>
+      <p:cxnSp>
+        <p:nvCxnSpPr>
+          <p:cNvPr id="33" name="Straight Connector 32">
+            <a:extLst>
+              <a:ext uri="{FF2B5EF4-FFF2-40B4-BE49-F238E27FC236}">
+                <a16:creationId xmlns:a16="http://schemas.microsoft.com/office/drawing/2014/main" id="{5215A4D7-1556-039E-9692-6DA9C0E98F7B}"/>
+              </a:ext>
+            </a:extLst>
+          </p:cNvPr>
+          <p:cNvCxnSpPr>
+            <a:cxnSpLocks/>
+          </p:cNvCxnSpPr>
+          <p:nvPr/>
+        </p:nvCxnSpPr>
+        <p:spPr>
+          <a:xfrm flipV="1">
+            <a:off x="681318" y="1117580"/>
+            <a:ext cx="9807388" cy="65010"/>
+          </a:xfrm>
+          <a:prstGeom prst="line">
+            <a:avLst/>
+          </a:prstGeom>
+          <a:ln w="25400"/>
+        </p:spPr>
+        <p:style>
+          <a:lnRef idx="1">
+            <a:schemeClr val="accent1"/>
+          </a:lnRef>
+          <a:fillRef idx="0">
+            <a:schemeClr val="accent1"/>
+          </a:fillRef>
+          <a:effectRef idx="0">
+            <a:schemeClr val="accent1"/>
+          </a:effectRef>
+          <a:fontRef idx="minor">
+            <a:schemeClr val="tx1"/>
+          </a:fontRef>
+        </p:style>
+      </p:cxnSp>
+    </p:spTree>
+    <p:extLst>
+      <p:ext uri="{BB962C8B-B14F-4D97-AF65-F5344CB8AC3E}">
+        <p14:creationId xmlns:p14="http://schemas.microsoft.com/office/powerpoint/2010/main" val="757220532"/>
+      </p:ext>
+    </p:extLst>
+  </p:cSld>
+  <p:clrMapOvr>
+    <a:masterClrMapping/>
+  </p:clrMapOvr>
+</p:sld>
+</file>
+
+<file path=ppt/slides/slide5.xml><?xml version="1.0" encoding="utf-8"?>
+<p:sld xmlns:a="http://schemas.openxmlformats.org/drawingml/2006/main" xmlns:r="http://schemas.openxmlformats.org/officeDocument/2006/relationships" xmlns:p="http://schemas.openxmlformats.org/presentationml/2006/main">
+  <p:cSld>
+    <p:spTree>
+      <p:nvGrpSpPr>
+        <p:cNvPr id="1" name=""/>
+        <p:cNvGrpSpPr/>
+        <p:nvPr/>
+      </p:nvGrpSpPr>
+      <p:grpSpPr>
+        <a:xfrm>
+          <a:off x="0" y="0"/>
+          <a:ext cx="0" cy="0"/>
+          <a:chOff x="0" y="0"/>
+          <a:chExt cx="0" cy="0"/>
+        </a:xfrm>
+      </p:grpSpPr>
+      <p:sp>
+        <p:nvSpPr>
+          <p:cNvPr id="4" name="TextBox 3">
+            <a:extLst>
+              <a:ext uri="{FF2B5EF4-FFF2-40B4-BE49-F238E27FC236}">
+                <a16:creationId xmlns:a16="http://schemas.microsoft.com/office/drawing/2014/main" id="{E21EDF7C-2FF1-558F-C502-B1BECE563B99}"/>
+              </a:ext>
+            </a:extLst>
+          </p:cNvPr>
+          <p:cNvSpPr txBox="1"/>
+          <p:nvPr/>
+        </p:nvSpPr>
+        <p:spPr>
+          <a:xfrm>
+            <a:off x="402407" y="409694"/>
+            <a:ext cx="10408089" cy="707886"/>
+          </a:xfrm>
+          <a:prstGeom prst="rect">
+            <a:avLst/>
+          </a:prstGeom>
+          <a:noFill/>
+        </p:spPr>
+        <p:txBody>
+          <a:bodyPr wrap="square">
+            <a:spAutoFit/>
+          </a:bodyPr>
+          <a:lstStyle/>
+          <a:p>
+            <a:r>
+              <a:rPr lang="en-US" sz="4000" dirty="0">
+                <a:solidFill>
+                  <a:schemeClr val="accent1"/>
+                </a:solidFill>
+                <a:latin typeface="Tahoma" panose="020B0604030504040204" pitchFamily="34" charset="0"/>
+                <a:ea typeface="Tahoma" panose="020B0604030504040204" pitchFamily="34" charset="0"/>
+                <a:cs typeface="Tahoma" panose="020B0604030504040204" pitchFamily="34" charset="0"/>
+              </a:rPr>
+              <a:t>ASIA* Impairment Scale (AIS) Score</a:t>
+            </a:r>
+          </a:p>
+        </p:txBody>
+      </p:sp>
+      <p:cxnSp>
+        <p:nvCxnSpPr>
+          <p:cNvPr id="5" name="Straight Connector 4">
+            <a:extLst>
+              <a:ext uri="{FF2B5EF4-FFF2-40B4-BE49-F238E27FC236}">
+                <a16:creationId xmlns:a16="http://schemas.microsoft.com/office/drawing/2014/main" id="{433E99C3-4143-4E3D-E92E-94E262F8DAF6}"/>
+              </a:ext>
+            </a:extLst>
+          </p:cNvPr>
+          <p:cNvCxnSpPr>
+            <a:cxnSpLocks/>
+          </p:cNvCxnSpPr>
+          <p:nvPr/>
+        </p:nvCxnSpPr>
+        <p:spPr>
+          <a:xfrm flipV="1">
+            <a:off x="500061" y="1117580"/>
+            <a:ext cx="8350976" cy="39757"/>
+          </a:xfrm>
+          <a:prstGeom prst="line">
+            <a:avLst/>
+          </a:prstGeom>
+          <a:ln w="25400"/>
+        </p:spPr>
+        <p:style>
+          <a:lnRef idx="1">
+            <a:schemeClr val="accent1"/>
+          </a:lnRef>
+          <a:fillRef idx="0">
+            <a:schemeClr val="accent1"/>
+          </a:fillRef>
+          <a:effectRef idx="0">
+            <a:schemeClr val="accent1"/>
+          </a:effectRef>
+          <a:fontRef idx="minor">
+            <a:schemeClr val="tx1"/>
+          </a:fontRef>
+        </p:style>
+      </p:cxnSp>
+      <p:pic>
+        <p:nvPicPr>
+          <p:cNvPr id="10" name="Picture 9">
+            <a:extLst>
+              <a:ext uri="{FF2B5EF4-FFF2-40B4-BE49-F238E27FC236}">
+                <a16:creationId xmlns:a16="http://schemas.microsoft.com/office/drawing/2014/main" id="{EB657113-E730-993C-5DA9-4448F4E0922D}"/>
+              </a:ext>
+            </a:extLst>
+          </p:cNvPr>
+          <p:cNvPicPr>
+            <a:picLocks noChangeAspect="1"/>
+          </p:cNvPicPr>
+          <p:nvPr/>
+        </p:nvPicPr>
+        <p:blipFill>
+          <a:blip r:embed="rId2"/>
+          <a:stretch>
+            <a:fillRect/>
+          </a:stretch>
+        </p:blipFill>
+        <p:spPr>
+          <a:xfrm>
+            <a:off x="8056073" y="1657292"/>
+            <a:ext cx="3635865" cy="4844768"/>
+          </a:xfrm>
+          <a:prstGeom prst="rect">
+            <a:avLst/>
+          </a:prstGeom>
+        </p:spPr>
+      </p:pic>
+      <p:pic>
+        <p:nvPicPr>
+          <p:cNvPr id="14" name="Picture 13">
+            <a:extLst>
+              <a:ext uri="{FF2B5EF4-FFF2-40B4-BE49-F238E27FC236}">
+                <a16:creationId xmlns:a16="http://schemas.microsoft.com/office/drawing/2014/main" id="{57776B4E-291F-925B-F670-F403485F4279}"/>
+              </a:ext>
+            </a:extLst>
+          </p:cNvPr>
+          <p:cNvPicPr>
+            <a:picLocks noChangeAspect="1"/>
+          </p:cNvPicPr>
+          <p:nvPr/>
+        </p:nvPicPr>
+        <p:blipFill>
+          <a:blip r:embed="rId3"/>
+          <a:stretch>
+            <a:fillRect/>
+          </a:stretch>
+        </p:blipFill>
+        <p:spPr>
+          <a:xfrm>
+            <a:off x="500061" y="1577778"/>
+            <a:ext cx="6007271" cy="4572335"/>
+          </a:xfrm>
+          <a:prstGeom prst="rect">
+            <a:avLst/>
+          </a:prstGeom>
+        </p:spPr>
+      </p:pic>
+      <p:sp>
+        <p:nvSpPr>
+          <p:cNvPr id="18" name="TextBox 17">
+            <a:extLst>
+              <a:ext uri="{FF2B5EF4-FFF2-40B4-BE49-F238E27FC236}">
+                <a16:creationId xmlns:a16="http://schemas.microsoft.com/office/drawing/2014/main" id="{5372A953-8FA7-1193-48F9-ADD3ADA63270}"/>
+              </a:ext>
+            </a:extLst>
+          </p:cNvPr>
+          <p:cNvSpPr txBox="1"/>
+          <p:nvPr/>
+        </p:nvSpPr>
+        <p:spPr>
+          <a:xfrm>
+            <a:off x="4548999" y="6541816"/>
+            <a:ext cx="7916840" cy="276999"/>
+          </a:xfrm>
+          <a:prstGeom prst="rect">
+            <a:avLst/>
+          </a:prstGeom>
+          <a:noFill/>
+        </p:spPr>
+        <p:txBody>
+          <a:bodyPr wrap="square">
+            <a:spAutoFit/>
+          </a:bodyPr>
+          <a:lstStyle/>
+          <a:p>
+            <a:r>
+              <a:rPr lang="en-US" sz="1200" b="0" i="0" dirty="0">
+                <a:solidFill>
+                  <a:schemeClr val="bg1">
+                    <a:lumMod val="65000"/>
+                  </a:schemeClr>
+                </a:solidFill>
+                <a:effectLst/>
+                <a:latin typeface="Tahoma" panose="020B0604030504040204" pitchFamily="34" charset="0"/>
+                <a:ea typeface="Tahoma" panose="020B0604030504040204" pitchFamily="34" charset="0"/>
+                <a:cs typeface="Tahoma" panose="020B0604030504040204" pitchFamily="34" charset="0"/>
+              </a:rPr>
+              <a:t>*American Spinal Injury Association International Standards for Neurological Classification of Spinal Cord Injury </a:t>
+            </a:r>
+            <a:endParaRPr lang="en-US" sz="1200" dirty="0">
+              <a:solidFill>
+                <a:schemeClr val="bg1">
+                  <a:lumMod val="65000"/>
+                </a:schemeClr>
+              </a:solidFill>
+              <a:latin typeface="Tahoma" panose="020B0604030504040204" pitchFamily="34" charset="0"/>
+              <a:ea typeface="Tahoma" panose="020B0604030504040204" pitchFamily="34" charset="0"/>
+              <a:cs typeface="Tahoma" panose="020B0604030504040204" pitchFamily="34" charset="0"/>
+            </a:endParaRPr>
+          </a:p>
+        </p:txBody>
+      </p:sp>
+    </p:spTree>
+    <p:extLst>
+      <p:ext uri="{BB962C8B-B14F-4D97-AF65-F5344CB8AC3E}">
+        <p14:creationId xmlns:p14="http://schemas.microsoft.com/office/powerpoint/2010/main" val="3516584745"/>
       </p:ext>
     </p:extLst>
   </p:cSld>

--- a/Module_11_StemCells/Conclusion_project/Presentation.pptx
+++ b/Module_11_StemCells/Conclusion_project/Presentation.pptx
@@ -4,12 +4,17 @@
   <p:sldMasterIdLst>
     <p:sldMasterId id="2147483660" r:id="rId1"/>
   </p:sldMasterIdLst>
+  <p:notesMasterIdLst>
+    <p:notesMasterId r:id="rId9"/>
+  </p:notesMasterIdLst>
   <p:sldIdLst>
     <p:sldId id="256" r:id="rId2"/>
     <p:sldId id="257" r:id="rId3"/>
     <p:sldId id="258" r:id="rId4"/>
     <p:sldId id="259" r:id="rId5"/>
-    <p:sldId id="260" r:id="rId6"/>
+    <p:sldId id="262" r:id="rId6"/>
+    <p:sldId id="261" r:id="rId7"/>
+    <p:sldId id="260" r:id="rId8"/>
   </p:sldIdLst>
   <p:sldSz cx="12192000" cy="6858000"/>
   <p:notesSz cx="6858000" cy="9144000"/>
@@ -116,6 +121,855 @@
 </p:presentation>
 </file>
 
+<file path=ppt/notesMasters/notesMaster1.xml><?xml version="1.0" encoding="utf-8"?>
+<p:notesMaster xmlns:a="http://schemas.openxmlformats.org/drawingml/2006/main" xmlns:r="http://schemas.openxmlformats.org/officeDocument/2006/relationships" xmlns:p="http://schemas.openxmlformats.org/presentationml/2006/main">
+  <p:cSld>
+    <p:bg>
+      <p:bgRef idx="1001">
+        <a:schemeClr val="bg1"/>
+      </p:bgRef>
+    </p:bg>
+    <p:spTree>
+      <p:nvGrpSpPr>
+        <p:cNvPr id="1" name=""/>
+        <p:cNvGrpSpPr/>
+        <p:nvPr/>
+      </p:nvGrpSpPr>
+      <p:grpSpPr>
+        <a:xfrm>
+          <a:off x="0" y="0"/>
+          <a:ext cx="0" cy="0"/>
+          <a:chOff x="0" y="0"/>
+          <a:chExt cx="0" cy="0"/>
+        </a:xfrm>
+      </p:grpSpPr>
+      <p:sp>
+        <p:nvSpPr>
+          <p:cNvPr id="2" name="Header Placeholder 1"/>
+          <p:cNvSpPr>
+            <a:spLocks noGrp="1"/>
+          </p:cNvSpPr>
+          <p:nvPr>
+            <p:ph type="hdr" sz="quarter"/>
+          </p:nvPr>
+        </p:nvSpPr>
+        <p:spPr>
+          <a:xfrm>
+            <a:off x="0" y="0"/>
+            <a:ext cx="2971800" cy="458788"/>
+          </a:xfrm>
+          <a:prstGeom prst="rect">
+            <a:avLst/>
+          </a:prstGeom>
+        </p:spPr>
+        <p:txBody>
+          <a:bodyPr vert="horz" lIns="91440" tIns="45720" rIns="91440" bIns="45720" rtlCol="0"/>
+          <a:lstStyle>
+            <a:lvl1pPr algn="l">
+              <a:defRPr sz="1200"/>
+            </a:lvl1pPr>
+          </a:lstStyle>
+          <a:p>
+            <a:endParaRPr lang="en-US"/>
+          </a:p>
+        </p:txBody>
+      </p:sp>
+      <p:sp>
+        <p:nvSpPr>
+          <p:cNvPr id="3" name="Date Placeholder 2"/>
+          <p:cNvSpPr>
+            <a:spLocks noGrp="1"/>
+          </p:cNvSpPr>
+          <p:nvPr>
+            <p:ph type="dt" idx="1"/>
+          </p:nvPr>
+        </p:nvSpPr>
+        <p:spPr>
+          <a:xfrm>
+            <a:off x="3884613" y="0"/>
+            <a:ext cx="2971800" cy="458788"/>
+          </a:xfrm>
+          <a:prstGeom prst="rect">
+            <a:avLst/>
+          </a:prstGeom>
+        </p:spPr>
+        <p:txBody>
+          <a:bodyPr vert="horz" lIns="91440" tIns="45720" rIns="91440" bIns="45720" rtlCol="0"/>
+          <a:lstStyle>
+            <a:lvl1pPr algn="r">
+              <a:defRPr sz="1200"/>
+            </a:lvl1pPr>
+          </a:lstStyle>
+          <a:p>
+            <a:fld id="{71087AE6-8783-3A48-A718-0F1B3ADC9B6C}" type="datetimeFigureOut">
+              <a:rPr lang="en-US" smtClean="0"/>
+              <a:t>11/15/22</a:t>
+            </a:fld>
+            <a:endParaRPr lang="en-US"/>
+          </a:p>
+        </p:txBody>
+      </p:sp>
+      <p:sp>
+        <p:nvSpPr>
+          <p:cNvPr id="4" name="Slide Image Placeholder 3"/>
+          <p:cNvSpPr>
+            <a:spLocks noGrp="1" noRot="1" noChangeAspect="1"/>
+          </p:cNvSpPr>
+          <p:nvPr>
+            <p:ph type="sldImg" idx="2"/>
+          </p:nvPr>
+        </p:nvSpPr>
+        <p:spPr>
+          <a:xfrm>
+            <a:off x="685800" y="1143000"/>
+            <a:ext cx="5486400" cy="3086100"/>
+          </a:xfrm>
+          <a:prstGeom prst="rect">
+            <a:avLst/>
+          </a:prstGeom>
+          <a:noFill/>
+          <a:ln w="12700">
+            <a:solidFill>
+              <a:prstClr val="black"/>
+            </a:solidFill>
+          </a:ln>
+        </p:spPr>
+        <p:txBody>
+          <a:bodyPr vert="horz" lIns="91440" tIns="45720" rIns="91440" bIns="45720" rtlCol="0" anchor="ctr"/>
+          <a:lstStyle/>
+          <a:p>
+            <a:endParaRPr lang="en-US"/>
+          </a:p>
+        </p:txBody>
+      </p:sp>
+      <p:sp>
+        <p:nvSpPr>
+          <p:cNvPr id="5" name="Notes Placeholder 4"/>
+          <p:cNvSpPr>
+            <a:spLocks noGrp="1"/>
+          </p:cNvSpPr>
+          <p:nvPr>
+            <p:ph type="body" sz="quarter" idx="3"/>
+          </p:nvPr>
+        </p:nvSpPr>
+        <p:spPr>
+          <a:xfrm>
+            <a:off x="685800" y="4400550"/>
+            <a:ext cx="5486400" cy="3600450"/>
+          </a:xfrm>
+          <a:prstGeom prst="rect">
+            <a:avLst/>
+          </a:prstGeom>
+        </p:spPr>
+        <p:txBody>
+          <a:bodyPr vert="horz" lIns="91440" tIns="45720" rIns="91440" bIns="45720" rtlCol="0"/>
+          <a:lstStyle/>
+          <a:p>
+            <a:pPr lvl="0"/>
+            <a:r>
+              <a:rPr lang="en-US"/>
+              <a:t>Click to edit Master text styles</a:t>
+            </a:r>
+          </a:p>
+          <a:p>
+            <a:pPr lvl="1"/>
+            <a:r>
+              <a:rPr lang="en-US"/>
+              <a:t>Second level</a:t>
+            </a:r>
+          </a:p>
+          <a:p>
+            <a:pPr lvl="2"/>
+            <a:r>
+              <a:rPr lang="en-US"/>
+              <a:t>Third level</a:t>
+            </a:r>
+          </a:p>
+          <a:p>
+            <a:pPr lvl="3"/>
+            <a:r>
+              <a:rPr lang="en-US"/>
+              <a:t>Fourth level</a:t>
+            </a:r>
+          </a:p>
+          <a:p>
+            <a:pPr lvl="4"/>
+            <a:r>
+              <a:rPr lang="en-US"/>
+              <a:t>Fifth level</a:t>
+            </a:r>
+          </a:p>
+        </p:txBody>
+      </p:sp>
+      <p:sp>
+        <p:nvSpPr>
+          <p:cNvPr id="6" name="Footer Placeholder 5"/>
+          <p:cNvSpPr>
+            <a:spLocks noGrp="1"/>
+          </p:cNvSpPr>
+          <p:nvPr>
+            <p:ph type="ftr" sz="quarter" idx="4"/>
+          </p:nvPr>
+        </p:nvSpPr>
+        <p:spPr>
+          <a:xfrm>
+            <a:off x="0" y="8685213"/>
+            <a:ext cx="2971800" cy="458787"/>
+          </a:xfrm>
+          <a:prstGeom prst="rect">
+            <a:avLst/>
+          </a:prstGeom>
+        </p:spPr>
+        <p:txBody>
+          <a:bodyPr vert="horz" lIns="91440" tIns="45720" rIns="91440" bIns="45720" rtlCol="0" anchor="b"/>
+          <a:lstStyle>
+            <a:lvl1pPr algn="l">
+              <a:defRPr sz="1200"/>
+            </a:lvl1pPr>
+          </a:lstStyle>
+          <a:p>
+            <a:endParaRPr lang="en-US"/>
+          </a:p>
+        </p:txBody>
+      </p:sp>
+      <p:sp>
+        <p:nvSpPr>
+          <p:cNvPr id="7" name="Slide Number Placeholder 6"/>
+          <p:cNvSpPr>
+            <a:spLocks noGrp="1"/>
+          </p:cNvSpPr>
+          <p:nvPr>
+            <p:ph type="sldNum" sz="quarter" idx="5"/>
+          </p:nvPr>
+        </p:nvSpPr>
+        <p:spPr>
+          <a:xfrm>
+            <a:off x="3884613" y="8685213"/>
+            <a:ext cx="2971800" cy="458787"/>
+          </a:xfrm>
+          <a:prstGeom prst="rect">
+            <a:avLst/>
+          </a:prstGeom>
+        </p:spPr>
+        <p:txBody>
+          <a:bodyPr vert="horz" lIns="91440" tIns="45720" rIns="91440" bIns="45720" rtlCol="0" anchor="b"/>
+          <a:lstStyle>
+            <a:lvl1pPr algn="r">
+              <a:defRPr sz="1200"/>
+            </a:lvl1pPr>
+          </a:lstStyle>
+          <a:p>
+            <a:fld id="{0BCDA4A5-DAF8-1C41-B427-BB0700FA9554}" type="slidenum">
+              <a:rPr lang="en-US" smtClean="0"/>
+              <a:t>‹#›</a:t>
+            </a:fld>
+            <a:endParaRPr lang="en-US"/>
+          </a:p>
+        </p:txBody>
+      </p:sp>
+    </p:spTree>
+    <p:extLst>
+      <p:ext uri="{BB962C8B-B14F-4D97-AF65-F5344CB8AC3E}">
+        <p14:creationId xmlns:p14="http://schemas.microsoft.com/office/powerpoint/2010/main" val="505197931"/>
+      </p:ext>
+    </p:extLst>
+  </p:cSld>
+  <p:clrMap bg1="lt1" tx1="dk1" bg2="lt2" tx2="dk2" accent1="accent1" accent2="accent2" accent3="accent3" accent4="accent4" accent5="accent5" accent6="accent6" hlink="hlink" folHlink="folHlink"/>
+  <p:notesStyle>
+    <a:lvl1pPr marL="0" algn="l" defTabSz="914400" rtl="0" eaLnBrk="1" latinLnBrk="0" hangingPunct="1">
+      <a:defRPr sz="1200" kern="1200">
+        <a:solidFill>
+          <a:schemeClr val="tx1"/>
+        </a:solidFill>
+        <a:latin typeface="+mn-lt"/>
+        <a:ea typeface="+mn-ea"/>
+        <a:cs typeface="+mn-cs"/>
+      </a:defRPr>
+    </a:lvl1pPr>
+    <a:lvl2pPr marL="457200" algn="l" defTabSz="914400" rtl="0" eaLnBrk="1" latinLnBrk="0" hangingPunct="1">
+      <a:defRPr sz="1200" kern="1200">
+        <a:solidFill>
+          <a:schemeClr val="tx1"/>
+        </a:solidFill>
+        <a:latin typeface="+mn-lt"/>
+        <a:ea typeface="+mn-ea"/>
+        <a:cs typeface="+mn-cs"/>
+      </a:defRPr>
+    </a:lvl2pPr>
+    <a:lvl3pPr marL="914400" algn="l" defTabSz="914400" rtl="0" eaLnBrk="1" latinLnBrk="0" hangingPunct="1">
+      <a:defRPr sz="1200" kern="1200">
+        <a:solidFill>
+          <a:schemeClr val="tx1"/>
+        </a:solidFill>
+        <a:latin typeface="+mn-lt"/>
+        <a:ea typeface="+mn-ea"/>
+        <a:cs typeface="+mn-cs"/>
+      </a:defRPr>
+    </a:lvl3pPr>
+    <a:lvl4pPr marL="1371600" algn="l" defTabSz="914400" rtl="0" eaLnBrk="1" latinLnBrk="0" hangingPunct="1">
+      <a:defRPr sz="1200" kern="1200">
+        <a:solidFill>
+          <a:schemeClr val="tx1"/>
+        </a:solidFill>
+        <a:latin typeface="+mn-lt"/>
+        <a:ea typeface="+mn-ea"/>
+        <a:cs typeface="+mn-cs"/>
+      </a:defRPr>
+    </a:lvl4pPr>
+    <a:lvl5pPr marL="1828800" algn="l" defTabSz="914400" rtl="0" eaLnBrk="1" latinLnBrk="0" hangingPunct="1">
+      <a:defRPr sz="1200" kern="1200">
+        <a:solidFill>
+          <a:schemeClr val="tx1"/>
+        </a:solidFill>
+        <a:latin typeface="+mn-lt"/>
+        <a:ea typeface="+mn-ea"/>
+        <a:cs typeface="+mn-cs"/>
+      </a:defRPr>
+    </a:lvl5pPr>
+    <a:lvl6pPr marL="2286000" algn="l" defTabSz="914400" rtl="0" eaLnBrk="1" latinLnBrk="0" hangingPunct="1">
+      <a:defRPr sz="1200" kern="1200">
+        <a:solidFill>
+          <a:schemeClr val="tx1"/>
+        </a:solidFill>
+        <a:latin typeface="+mn-lt"/>
+        <a:ea typeface="+mn-ea"/>
+        <a:cs typeface="+mn-cs"/>
+      </a:defRPr>
+    </a:lvl6pPr>
+    <a:lvl7pPr marL="2743200" algn="l" defTabSz="914400" rtl="0" eaLnBrk="1" latinLnBrk="0" hangingPunct="1">
+      <a:defRPr sz="1200" kern="1200">
+        <a:solidFill>
+          <a:schemeClr val="tx1"/>
+        </a:solidFill>
+        <a:latin typeface="+mn-lt"/>
+        <a:ea typeface="+mn-ea"/>
+        <a:cs typeface="+mn-cs"/>
+      </a:defRPr>
+    </a:lvl7pPr>
+    <a:lvl8pPr marL="3200400" algn="l" defTabSz="914400" rtl="0" eaLnBrk="1" latinLnBrk="0" hangingPunct="1">
+      <a:defRPr sz="1200" kern="1200">
+        <a:solidFill>
+          <a:schemeClr val="tx1"/>
+        </a:solidFill>
+        <a:latin typeface="+mn-lt"/>
+        <a:ea typeface="+mn-ea"/>
+        <a:cs typeface="+mn-cs"/>
+      </a:defRPr>
+    </a:lvl8pPr>
+    <a:lvl9pPr marL="3657600" algn="l" defTabSz="914400" rtl="0" eaLnBrk="1" latinLnBrk="0" hangingPunct="1">
+      <a:defRPr sz="1200" kern="1200">
+        <a:solidFill>
+          <a:schemeClr val="tx1"/>
+        </a:solidFill>
+        <a:latin typeface="+mn-lt"/>
+        <a:ea typeface="+mn-ea"/>
+        <a:cs typeface="+mn-cs"/>
+      </a:defRPr>
+    </a:lvl9pPr>
+  </p:notesStyle>
+</p:notesMaster>
+</file>
+
+<file path=ppt/notesSlides/notesSlide1.xml><?xml version="1.0" encoding="utf-8"?>
+<p:notes xmlns:a="http://schemas.openxmlformats.org/drawingml/2006/main" xmlns:r="http://schemas.openxmlformats.org/officeDocument/2006/relationships" xmlns:p="http://schemas.openxmlformats.org/presentationml/2006/main">
+  <p:cSld>
+    <p:spTree>
+      <p:nvGrpSpPr>
+        <p:cNvPr id="1" name=""/>
+        <p:cNvGrpSpPr/>
+        <p:nvPr/>
+      </p:nvGrpSpPr>
+      <p:grpSpPr>
+        <a:xfrm>
+          <a:off x="0" y="0"/>
+          <a:ext cx="0" cy="0"/>
+          <a:chOff x="0" y="0"/>
+          <a:chExt cx="0" cy="0"/>
+        </a:xfrm>
+      </p:grpSpPr>
+      <p:sp>
+        <p:nvSpPr>
+          <p:cNvPr id="2" name="Slide Image Placeholder 1"/>
+          <p:cNvSpPr>
+            <a:spLocks noGrp="1" noRot="1" noChangeAspect="1"/>
+          </p:cNvSpPr>
+          <p:nvPr>
+            <p:ph type="sldImg"/>
+          </p:nvPr>
+        </p:nvSpPr>
+        <p:spPr/>
+      </p:sp>
+      <p:sp>
+        <p:nvSpPr>
+          <p:cNvPr id="3" name="Notes Placeholder 2"/>
+          <p:cNvSpPr>
+            <a:spLocks noGrp="1"/>
+          </p:cNvSpPr>
+          <p:nvPr>
+            <p:ph type="body" idx="1"/>
+          </p:nvPr>
+        </p:nvSpPr>
+        <p:spPr/>
+        <p:txBody>
+          <a:bodyPr/>
+          <a:lstStyle/>
+          <a:p>
+            <a:r>
+              <a:rPr lang="en-US" b="0" i="0" dirty="0">
+                <a:solidFill>
+                  <a:srgbClr val="6B6B6B"/>
+                </a:solidFill>
+                <a:effectLst/>
+                <a:latin typeface="Helvetica Neue" panose="02000503000000020004" pitchFamily="2" charset="0"/>
+              </a:rPr>
+              <a:t>A 150 </a:t>
+            </a:r>
+            <a:r>
+              <a:rPr lang="en-US" b="0" i="0" dirty="0" err="1">
+                <a:solidFill>
+                  <a:srgbClr val="6B6B6B"/>
+                </a:solidFill>
+                <a:effectLst/>
+                <a:latin typeface="Helvetica Neue" panose="02000503000000020004" pitchFamily="2" charset="0"/>
+              </a:rPr>
+              <a:t>kdyn</a:t>
+            </a:r>
+            <a:r>
+              <a:rPr lang="en-US" b="0" i="0" dirty="0">
+                <a:solidFill>
+                  <a:srgbClr val="6B6B6B"/>
+                </a:solidFill>
+                <a:effectLst/>
+                <a:latin typeface="Helvetica Neue" panose="02000503000000020004" pitchFamily="2" charset="0"/>
+              </a:rPr>
+              <a:t> contusion leads to progressive cell loss, reactive gliosis, and cavitation. GFAP and </a:t>
+            </a:r>
+            <a:r>
+              <a:rPr lang="en-US" b="0" i="0" dirty="0" err="1">
+                <a:solidFill>
+                  <a:srgbClr val="6B6B6B"/>
+                </a:solidFill>
+                <a:effectLst/>
+                <a:latin typeface="Helvetica Neue" panose="02000503000000020004" pitchFamily="2" charset="0"/>
+              </a:rPr>
+              <a:t>NeuN</a:t>
+            </a:r>
+            <a:r>
+              <a:rPr lang="en-US" b="0" i="0" dirty="0">
+                <a:solidFill>
+                  <a:srgbClr val="6B6B6B"/>
+                </a:solidFill>
+                <a:effectLst/>
+                <a:latin typeface="Helvetica Neue" panose="02000503000000020004" pitchFamily="2" charset="0"/>
+              </a:rPr>
+              <a:t> immunohistochemistry (</a:t>
+            </a:r>
+            <a:r>
+              <a:rPr lang="en-US" b="1" i="1" dirty="0">
+                <a:solidFill>
+                  <a:srgbClr val="6B6B6B"/>
+                </a:solidFill>
+                <a:effectLst/>
+                <a:latin typeface="inherit"/>
+              </a:rPr>
+              <a:t>A–F</a:t>
+            </a:r>
+            <a:r>
+              <a:rPr lang="en-US" b="0" i="0" dirty="0">
+                <a:solidFill>
+                  <a:srgbClr val="6B6B6B"/>
+                </a:solidFill>
+                <a:effectLst/>
+                <a:latin typeface="Helvetica Neue" panose="02000503000000020004" pitchFamily="2" charset="0"/>
+              </a:rPr>
+              <a:t>) and </a:t>
+            </a:r>
+            <a:r>
+              <a:rPr lang="en-US" b="0" i="0" dirty="0" err="1">
+                <a:solidFill>
+                  <a:srgbClr val="6B6B6B"/>
+                </a:solidFill>
+                <a:effectLst/>
+                <a:latin typeface="Helvetica Neue" panose="02000503000000020004" pitchFamily="2" charset="0"/>
+              </a:rPr>
+              <a:t>eriochrome</a:t>
+            </a:r>
+            <a:r>
+              <a:rPr lang="en-US" b="0" i="0" dirty="0">
+                <a:solidFill>
+                  <a:srgbClr val="6B6B6B"/>
+                </a:solidFill>
+                <a:effectLst/>
+                <a:latin typeface="Helvetica Neue" panose="02000503000000020004" pitchFamily="2" charset="0"/>
+              </a:rPr>
+              <a:t> cyanine staining (</a:t>
+            </a:r>
+            <a:r>
+              <a:rPr lang="en-US" b="1" i="1" dirty="0">
+                <a:solidFill>
+                  <a:srgbClr val="6B6B6B"/>
+                </a:solidFill>
+                <a:effectLst/>
+                <a:latin typeface="inherit"/>
+              </a:rPr>
+              <a:t>G–L</a:t>
+            </a:r>
+            <a:r>
+              <a:rPr lang="en-US" b="0" i="0" dirty="0">
+                <a:solidFill>
+                  <a:srgbClr val="6B6B6B"/>
+                </a:solidFill>
+                <a:effectLst/>
+                <a:latin typeface="Helvetica Neue" panose="02000503000000020004" pitchFamily="2" charset="0"/>
+              </a:rPr>
+              <a:t>) in transverse sections of the spinal cord through epicenter of the injury demonstrate the pathological changes taking place from acute to chronic time points after injury (1 d to 12 weeks) and can be compared with uninjured spinal cord (</a:t>
+            </a:r>
+            <a:r>
+              <a:rPr lang="en-US" b="1" i="1" dirty="0">
+                <a:solidFill>
+                  <a:srgbClr val="6B6B6B"/>
+                </a:solidFill>
+                <a:effectLst/>
+                <a:latin typeface="inherit"/>
+              </a:rPr>
+              <a:t>A</a:t>
+            </a:r>
+            <a:r>
+              <a:rPr lang="en-US" b="0" i="0" dirty="0">
+                <a:solidFill>
+                  <a:srgbClr val="6B6B6B"/>
+                </a:solidFill>
+                <a:effectLst/>
+                <a:latin typeface="Helvetica Neue" panose="02000503000000020004" pitchFamily="2" charset="0"/>
+              </a:rPr>
+              <a:t>, </a:t>
+            </a:r>
+            <a:r>
+              <a:rPr lang="en-US" b="1" i="1" dirty="0">
+                <a:solidFill>
+                  <a:srgbClr val="6B6B6B"/>
+                </a:solidFill>
+                <a:effectLst/>
+                <a:latin typeface="inherit"/>
+              </a:rPr>
+              <a:t>G</a:t>
+            </a:r>
+            <a:r>
+              <a:rPr lang="en-US" b="0" i="0" dirty="0">
+                <a:solidFill>
+                  <a:srgbClr val="6B6B6B"/>
+                </a:solidFill>
+                <a:effectLst/>
+                <a:latin typeface="Helvetica Neue" panose="02000503000000020004" pitchFamily="2" charset="0"/>
+              </a:rPr>
+              <a:t>). GFAP (astrocytes; red) and </a:t>
+            </a:r>
+            <a:r>
+              <a:rPr lang="en-US" b="0" i="0" dirty="0" err="1">
+                <a:solidFill>
+                  <a:srgbClr val="6B6B6B"/>
+                </a:solidFill>
+                <a:effectLst/>
+                <a:latin typeface="Helvetica Neue" panose="02000503000000020004" pitchFamily="2" charset="0"/>
+              </a:rPr>
+              <a:t>NeuN</a:t>
+            </a:r>
+            <a:r>
+              <a:rPr lang="en-US" b="0" i="0" dirty="0">
+                <a:solidFill>
+                  <a:srgbClr val="6B6B6B"/>
+                </a:solidFill>
+                <a:effectLst/>
+                <a:latin typeface="Helvetica Neue" panose="02000503000000020004" pitchFamily="2" charset="0"/>
+              </a:rPr>
+              <a:t> (neuronal cell bodies; green) </a:t>
+            </a:r>
+            <a:r>
+              <a:rPr lang="en-US" b="0" i="0" dirty="0" err="1">
+                <a:solidFill>
+                  <a:srgbClr val="6B6B6B"/>
+                </a:solidFill>
+                <a:effectLst/>
+                <a:latin typeface="Helvetica Neue" panose="02000503000000020004" pitchFamily="2" charset="0"/>
+              </a:rPr>
+              <a:t>costaining</a:t>
+            </a:r>
+            <a:r>
+              <a:rPr lang="en-US" b="0" i="0" dirty="0">
+                <a:solidFill>
+                  <a:srgbClr val="6B6B6B"/>
+                </a:solidFill>
+                <a:effectLst/>
+                <a:latin typeface="Helvetica Neue" panose="02000503000000020004" pitchFamily="2" charset="0"/>
+              </a:rPr>
+              <a:t> illustrates the progressive destruction of the gray matter and neuronal cell loss that occurs following injury as well as the pronounced increase in reactive gliosis acutely following injury (</a:t>
+            </a:r>
+            <a:r>
+              <a:rPr lang="en-US" b="1" i="1" dirty="0">
+                <a:solidFill>
+                  <a:srgbClr val="6B6B6B"/>
+                </a:solidFill>
+                <a:effectLst/>
+                <a:latin typeface="inherit"/>
+              </a:rPr>
+              <a:t>B</a:t>
+            </a:r>
+            <a:r>
+              <a:rPr lang="en-US" b="0" i="0" dirty="0">
+                <a:solidFill>
+                  <a:srgbClr val="6B6B6B"/>
+                </a:solidFill>
+                <a:effectLst/>
+                <a:latin typeface="Helvetica Neue" panose="02000503000000020004" pitchFamily="2" charset="0"/>
+              </a:rPr>
+              <a:t>), which at later stages becomes more localized to the borders of the cavity, forming a dense glial scar (</a:t>
+            </a:r>
+            <a:r>
+              <a:rPr lang="en-US" b="1" i="1" dirty="0">
+                <a:solidFill>
+                  <a:srgbClr val="6B6B6B"/>
+                </a:solidFill>
+                <a:effectLst/>
+                <a:latin typeface="inherit"/>
+              </a:rPr>
+              <a:t>C–F</a:t>
+            </a:r>
+            <a:r>
+              <a:rPr lang="en-US" b="0" i="0" dirty="0">
+                <a:solidFill>
+                  <a:srgbClr val="6B6B6B"/>
+                </a:solidFill>
+                <a:effectLst/>
+                <a:latin typeface="Helvetica Neue" panose="02000503000000020004" pitchFamily="2" charset="0"/>
+              </a:rPr>
+              <a:t>). Staining with </a:t>
+            </a:r>
+            <a:r>
+              <a:rPr lang="en-US" b="0" i="0" dirty="0" err="1">
+                <a:solidFill>
+                  <a:srgbClr val="6B6B6B"/>
+                </a:solidFill>
+                <a:effectLst/>
+                <a:latin typeface="Helvetica Neue" panose="02000503000000020004" pitchFamily="2" charset="0"/>
+              </a:rPr>
+              <a:t>eriochrome</a:t>
+            </a:r>
+            <a:r>
+              <a:rPr lang="en-US" b="0" i="0" dirty="0">
+                <a:solidFill>
+                  <a:srgbClr val="6B6B6B"/>
+                </a:solidFill>
+                <a:effectLst/>
+                <a:latin typeface="Helvetica Neue" panose="02000503000000020004" pitchFamily="2" charset="0"/>
+              </a:rPr>
+              <a:t> cyanine (to demarcate gray and white matter areas) highlights the initial phase of mass necrosis in the spinal parenchyma at early stages (</a:t>
+            </a:r>
+            <a:r>
+              <a:rPr lang="en-US" b="1" i="1" dirty="0">
+                <a:solidFill>
+                  <a:srgbClr val="6B6B6B"/>
+                </a:solidFill>
+                <a:effectLst/>
+                <a:latin typeface="inherit"/>
+              </a:rPr>
+              <a:t>H–J</a:t>
+            </a:r>
+            <a:r>
+              <a:rPr lang="en-US" b="0" i="0" dirty="0">
+                <a:solidFill>
+                  <a:srgbClr val="6B6B6B"/>
+                </a:solidFill>
+                <a:effectLst/>
+                <a:latin typeface="Helvetica Neue" panose="02000503000000020004" pitchFamily="2" charset="0"/>
+              </a:rPr>
+              <a:t>) followed by clearance of the debris, resulting in large central cavities surrounded by a spared rim of white matter at chronic postinjury time points (</a:t>
+            </a:r>
+            <a:r>
+              <a:rPr lang="en-US" b="1" i="1" dirty="0">
+                <a:solidFill>
+                  <a:srgbClr val="6B6B6B"/>
+                </a:solidFill>
+                <a:effectLst/>
+                <a:latin typeface="inherit"/>
+              </a:rPr>
+              <a:t>K</a:t>
+            </a:r>
+            <a:r>
+              <a:rPr lang="en-US" b="0" i="0" dirty="0">
+                <a:solidFill>
+                  <a:srgbClr val="6B6B6B"/>
+                </a:solidFill>
+                <a:effectLst/>
+                <a:latin typeface="Helvetica Neue" panose="02000503000000020004" pitchFamily="2" charset="0"/>
+              </a:rPr>
+              <a:t>, </a:t>
+            </a:r>
+            <a:r>
+              <a:rPr lang="en-US" b="1" i="1" dirty="0">
+                <a:solidFill>
+                  <a:srgbClr val="6B6B6B"/>
+                </a:solidFill>
+                <a:effectLst/>
+                <a:latin typeface="inherit"/>
+              </a:rPr>
+              <a:t>L</a:t>
+            </a:r>
+            <a:r>
+              <a:rPr lang="en-US" b="0" i="0" dirty="0">
+                <a:solidFill>
+                  <a:srgbClr val="6B6B6B"/>
+                </a:solidFill>
+                <a:effectLst/>
+                <a:latin typeface="Helvetica Neue" panose="02000503000000020004" pitchFamily="2" charset="0"/>
+              </a:rPr>
+              <a:t>). Scale bar, 500 </a:t>
+            </a:r>
+            <a:r>
+              <a:rPr lang="el-GR" b="0" i="0" dirty="0">
+                <a:solidFill>
+                  <a:srgbClr val="6B6B6B"/>
+                </a:solidFill>
+                <a:effectLst/>
+                <a:latin typeface="Helvetica Neue" panose="02000503000000020004" pitchFamily="2" charset="0"/>
+              </a:rPr>
+              <a:t>μ</a:t>
+            </a:r>
+            <a:r>
+              <a:rPr lang="en-US" b="0" i="0" dirty="0">
+                <a:solidFill>
+                  <a:srgbClr val="6B6B6B"/>
+                </a:solidFill>
+                <a:effectLst/>
+                <a:latin typeface="Helvetica Neue" panose="02000503000000020004" pitchFamily="2" charset="0"/>
+              </a:rPr>
+              <a:t>m.</a:t>
+            </a:r>
+          </a:p>
+          <a:p>
+            <a:endParaRPr lang="en-US" dirty="0"/>
+          </a:p>
+        </p:txBody>
+      </p:sp>
+      <p:sp>
+        <p:nvSpPr>
+          <p:cNvPr id="4" name="Slide Number Placeholder 3"/>
+          <p:cNvSpPr>
+            <a:spLocks noGrp="1"/>
+          </p:cNvSpPr>
+          <p:nvPr>
+            <p:ph type="sldNum" sz="quarter" idx="5"/>
+          </p:nvPr>
+        </p:nvSpPr>
+        <p:spPr/>
+        <p:txBody>
+          <a:bodyPr/>
+          <a:lstStyle/>
+          <a:p>
+            <a:fld id="{0BCDA4A5-DAF8-1C41-B427-BB0700FA9554}" type="slidenum">
+              <a:rPr lang="en-US" smtClean="0"/>
+              <a:t>5</a:t>
+            </a:fld>
+            <a:endParaRPr lang="en-US"/>
+          </a:p>
+        </p:txBody>
+      </p:sp>
+    </p:spTree>
+    <p:extLst>
+      <p:ext uri="{BB962C8B-B14F-4D97-AF65-F5344CB8AC3E}">
+        <p14:creationId xmlns:p14="http://schemas.microsoft.com/office/powerpoint/2010/main" val="3025978871"/>
+      </p:ext>
+    </p:extLst>
+  </p:cSld>
+  <p:clrMapOvr>
+    <a:masterClrMapping/>
+  </p:clrMapOvr>
+</p:notes>
+</file>
+
+<file path=ppt/notesSlides/notesSlide2.xml><?xml version="1.0" encoding="utf-8"?>
+<p:notes xmlns:a="http://schemas.openxmlformats.org/drawingml/2006/main" xmlns:r="http://schemas.openxmlformats.org/officeDocument/2006/relationships" xmlns:p="http://schemas.openxmlformats.org/presentationml/2006/main">
+  <p:cSld>
+    <p:spTree>
+      <p:nvGrpSpPr>
+        <p:cNvPr id="1" name=""/>
+        <p:cNvGrpSpPr/>
+        <p:nvPr/>
+      </p:nvGrpSpPr>
+      <p:grpSpPr>
+        <a:xfrm>
+          <a:off x="0" y="0"/>
+          <a:ext cx="0" cy="0"/>
+          <a:chOff x="0" y="0"/>
+          <a:chExt cx="0" cy="0"/>
+        </a:xfrm>
+      </p:grpSpPr>
+      <p:sp>
+        <p:nvSpPr>
+          <p:cNvPr id="2" name="Slide Image Placeholder 1"/>
+          <p:cNvSpPr>
+            <a:spLocks noGrp="1" noRot="1" noChangeAspect="1"/>
+          </p:cNvSpPr>
+          <p:nvPr>
+            <p:ph type="sldImg"/>
+          </p:nvPr>
+        </p:nvSpPr>
+        <p:spPr/>
+      </p:sp>
+      <p:sp>
+        <p:nvSpPr>
+          <p:cNvPr id="3" name="Notes Placeholder 2"/>
+          <p:cNvSpPr>
+            <a:spLocks noGrp="1"/>
+          </p:cNvSpPr>
+          <p:nvPr>
+            <p:ph type="body" idx="1"/>
+          </p:nvPr>
+        </p:nvSpPr>
+        <p:spPr/>
+        <p:txBody>
+          <a:bodyPr/>
+          <a:lstStyle/>
+          <a:p>
+            <a:endParaRPr lang="en-US" dirty="0"/>
+          </a:p>
+        </p:txBody>
+      </p:sp>
+      <p:sp>
+        <p:nvSpPr>
+          <p:cNvPr id="4" name="Slide Number Placeholder 3"/>
+          <p:cNvSpPr>
+            <a:spLocks noGrp="1"/>
+          </p:cNvSpPr>
+          <p:nvPr>
+            <p:ph type="sldNum" sz="quarter" idx="5"/>
+          </p:nvPr>
+        </p:nvSpPr>
+        <p:spPr/>
+        <p:txBody>
+          <a:bodyPr/>
+          <a:lstStyle/>
+          <a:p>
+            <a:fld id="{0BCDA4A5-DAF8-1C41-B427-BB0700FA9554}" type="slidenum">
+              <a:rPr lang="en-US" smtClean="0"/>
+              <a:t>6</a:t>
+            </a:fld>
+            <a:endParaRPr lang="en-US"/>
+          </a:p>
+        </p:txBody>
+      </p:sp>
+    </p:spTree>
+    <p:extLst>
+      <p:ext uri="{BB962C8B-B14F-4D97-AF65-F5344CB8AC3E}">
+        <p14:creationId xmlns:p14="http://schemas.microsoft.com/office/powerpoint/2010/main" val="2400097063"/>
+      </p:ext>
+    </p:extLst>
+  </p:cSld>
+  <p:clrMapOvr>
+    <a:masterClrMapping/>
+  </p:clrMapOvr>
+</p:notes>
+</file>
+
 <file path=ppt/slideLayouts/slideLayout1.xml><?xml version="1.0" encoding="utf-8"?>
 <p:sldLayout xmlns:a="http://schemas.openxmlformats.org/drawingml/2006/main" xmlns:r="http://schemas.openxmlformats.org/officeDocument/2006/relationships" xmlns:p="http://schemas.openxmlformats.org/presentationml/2006/main" type="title" preserve="1">
   <p:cSld name="Title Slide">
@@ -263,7 +1117,7 @@
           <a:p>
             <a:fld id="{9AB3A824-1A51-4B26-AD58-A6D8E14F6C04}" type="datetimeFigureOut">
               <a:rPr lang="en-US" smtClean="0"/>
-              <a:t>11/14/22</a:t>
+              <a:t>11/15/22</a:t>
             </a:fld>
             <a:endParaRPr lang="en-US" dirty="0"/>
           </a:p>
@@ -466,7 +1320,7 @@
           <a:p>
             <a:fld id="{D857E33E-8B18-4087-B112-809917729534}" type="datetimeFigureOut">
               <a:rPr lang="en-US" smtClean="0"/>
-              <a:t>11/14/22</a:t>
+              <a:t>11/15/22</a:t>
             </a:fld>
             <a:endParaRPr lang="en-US" dirty="0"/>
           </a:p>
@@ -679,7 +1533,7 @@
           <a:p>
             <a:fld id="{D3FFE419-2371-464F-8239-3959401C3561}" type="datetimeFigureOut">
               <a:rPr lang="en-US" smtClean="0"/>
-              <a:t>11/14/22</a:t>
+              <a:t>11/15/22</a:t>
             </a:fld>
             <a:endParaRPr lang="en-US" dirty="0"/>
           </a:p>
@@ -882,7 +1736,7 @@
           <a:p>
             <a:fld id="{97D162C4-EDD9-4389-A98B-B87ECEA2A816}" type="datetimeFigureOut">
               <a:rPr lang="en-US" smtClean="0"/>
-              <a:t>11/14/22</a:t>
+              <a:t>11/15/22</a:t>
             </a:fld>
             <a:endParaRPr lang="en-US" dirty="0"/>
           </a:p>
@@ -1162,7 +2016,7 @@
           <a:p>
             <a:fld id="{3E5059C3-6A89-4494-99FF-5A4D6FFD50EB}" type="datetimeFigureOut">
               <a:rPr lang="en-US" smtClean="0"/>
-              <a:t>11/14/22</a:t>
+              <a:t>11/15/22</a:t>
             </a:fld>
             <a:endParaRPr lang="en-US" dirty="0"/>
           </a:p>
@@ -1432,7 +2286,7 @@
           <a:p>
             <a:fld id="{CA954B2F-12DE-47F5-8894-472B206D2E1E}" type="datetimeFigureOut">
               <a:rPr lang="en-US" smtClean="0"/>
-              <a:t>11/14/22</a:t>
+              <a:t>11/15/22</a:t>
             </a:fld>
             <a:endParaRPr lang="en-US" dirty="0"/>
           </a:p>
@@ -1849,7 +2703,7 @@
           <a:p>
             <a:fld id="{3F30E46F-7819-4ACF-B48B-48222C2ACC88}" type="datetimeFigureOut">
               <a:rPr lang="en-US" smtClean="0"/>
-              <a:t>11/14/22</a:t>
+              <a:t>11/15/22</a:t>
             </a:fld>
             <a:endParaRPr lang="en-US" dirty="0"/>
           </a:p>
@@ -1995,7 +2849,7 @@
           <a:p>
             <a:fld id="{1FAF3416-4057-4DAA-829D-4CA07428D088}" type="datetimeFigureOut">
               <a:rPr lang="en-US" smtClean="0"/>
-              <a:t>11/14/22</a:t>
+              <a:t>11/15/22</a:t>
             </a:fld>
             <a:endParaRPr lang="en-US" dirty="0"/>
           </a:p>
@@ -2113,7 +2967,7 @@
           <a:p>
             <a:fld id="{921D9284-D300-4297-87F7-E791DCC15DB1}" type="datetimeFigureOut">
               <a:rPr lang="en-US" smtClean="0"/>
-              <a:t>11/14/22</a:t>
+              <a:t>11/15/22</a:t>
             </a:fld>
             <a:endParaRPr lang="en-US" dirty="0"/>
           </a:p>
@@ -2429,7 +3283,7 @@
           <a:p>
             <a:fld id="{37D525BB-DA17-4BA0-B3C8-3AC3ABC827E6}" type="datetimeFigureOut">
               <a:rPr lang="en-US" smtClean="0"/>
-              <a:t>11/14/22</a:t>
+              <a:t>11/15/22</a:t>
             </a:fld>
             <a:endParaRPr lang="en-US" dirty="0"/>
           </a:p>
@@ -2722,7 +3576,7 @@
           <a:p>
             <a:fld id="{B16C4C9A-3960-41CF-A4E9-2A8FB932454B}" type="datetimeFigureOut">
               <a:rPr lang="en-US" smtClean="0"/>
-              <a:t>11/14/22</a:t>
+              <a:t>11/15/22</a:t>
             </a:fld>
             <a:endParaRPr lang="en-US" dirty="0"/>
           </a:p>
@@ -2968,7 +3822,7 @@
           <a:p>
             <a:fld id="{3CBC1C18-307B-4F68-A007-B5B542270E8D}" type="datetimeFigureOut">
               <a:rPr lang="en-US" smtClean="0"/>
-              <a:t>11/14/22</a:t>
+              <a:t>11/15/22</a:t>
             </a:fld>
             <a:endParaRPr lang="en-US" dirty="0"/>
           </a:p>
@@ -3710,7 +4564,7 @@
         </p:blipFill>
         <p:spPr>
           <a:xfrm>
-            <a:off x="1669676" y="4507990"/>
+            <a:off x="1449868" y="4495517"/>
             <a:ext cx="4222636" cy="1938992"/>
           </a:xfrm>
           <a:prstGeom prst="rect">
@@ -3746,7 +4600,7 @@
         </p:blipFill>
         <p:spPr>
           <a:xfrm>
-            <a:off x="6793319" y="4479739"/>
+            <a:off x="6573511" y="4467266"/>
             <a:ext cx="4297834" cy="1848726"/>
           </a:xfrm>
           <a:prstGeom prst="rect">
@@ -3769,13 +4623,13 @@
           <p:nvPr>
             <p:extLst>
               <p:ext uri="{D42A27DB-BD31-4B8C-83A1-F6EECF244321}">
-                <p14:modId xmlns:p14="http://schemas.microsoft.com/office/powerpoint/2010/main" val="236867180"/>
+                <p14:modId xmlns:p14="http://schemas.microsoft.com/office/powerpoint/2010/main" val="1360040445"/>
               </p:ext>
             </p:extLst>
           </p:nvPr>
         </p:nvGraphicFramePr>
         <p:xfrm>
-          <a:off x="1012545" y="3889200"/>
+          <a:off x="792737" y="3876727"/>
           <a:ext cx="10406304" cy="2557782"/>
         </p:xfrm>
         <a:graphic>
@@ -4073,7 +4927,7 @@
                 <a:ea typeface="Tahoma" panose="020B0604030504040204" pitchFamily="34" charset="0"/>
                 <a:cs typeface="Tahoma" panose="020B0604030504040204" pitchFamily="34" charset="0"/>
               </a:rPr>
-              <a:t>Lifetime cost: up to 5 Million</a:t>
+              <a:t>Lifetime cost: from 1 to 5 Million</a:t>
             </a:r>
           </a:p>
         </p:txBody>
@@ -4263,8 +5117,8 @@
         </p:blipFill>
         <p:spPr>
           <a:xfrm>
-            <a:off x="1887524" y="3146772"/>
-            <a:ext cx="7213600" cy="1409700"/>
+            <a:off x="1393410" y="2912904"/>
+            <a:ext cx="8010990" cy="1565528"/>
           </a:xfrm>
           <a:prstGeom prst="rect">
             <a:avLst/>
@@ -4343,80 +5197,12 @@
           </a:p>
         </p:txBody>
       </p:sp>
-      <p:graphicFrame>
-        <p:nvGraphicFramePr>
-          <p:cNvPr id="6" name="Table 6">
-            <a:extLst>
-              <a:ext uri="{FF2B5EF4-FFF2-40B4-BE49-F238E27FC236}">
-                <a16:creationId xmlns:a16="http://schemas.microsoft.com/office/drawing/2014/main" id="{0CD488F3-4E27-8B7B-1185-96855A87F554}"/>
-              </a:ext>
-            </a:extLst>
-          </p:cNvPr>
-          <p:cNvGraphicFramePr>
-            <a:graphicFrameLocks noGrp="1"/>
-          </p:cNvGraphicFramePr>
-          <p:nvPr>
-            <p:extLst>
-              <p:ext uri="{D42A27DB-BD31-4B8C-83A1-F6EECF244321}">
-                <p14:modId xmlns:p14="http://schemas.microsoft.com/office/powerpoint/2010/main" val="2779607209"/>
-              </p:ext>
-            </p:extLst>
-          </p:nvPr>
-        </p:nvGraphicFramePr>
-        <p:xfrm>
-          <a:off x="277982" y="4529124"/>
-          <a:ext cx="2811074" cy="370840"/>
-        </p:xfrm>
-        <a:graphic>
-          <a:graphicData uri="http://schemas.openxmlformats.org/drawingml/2006/table">
-            <a:tbl>
-              <a:tblPr firstRow="1" bandRow="1">
-                <a:tableStyleId>{5C22544A-7EE6-4342-B048-85BDC9FD1C3A}</a:tableStyleId>
-              </a:tblPr>
-              <a:tblGrid>
-                <a:gridCol w="2811074">
-                  <a:extLst>
-                    <a:ext uri="{9D8B030D-6E8A-4147-A177-3AD203B41FA5}">
-                      <a16:colId xmlns:a16="http://schemas.microsoft.com/office/drawing/2014/main" val="1128250669"/>
-                    </a:ext>
-                  </a:extLst>
-                </a:gridCol>
-              </a:tblGrid>
-              <a:tr h="370840">
-                <a:tc>
-                  <a:txBody>
-                    <a:bodyPr/>
-                    <a:lstStyle/>
-                    <a:p>
-                      <a:pPr algn="ctr"/>
-                      <a:r>
-                        <a:rPr lang="en-US" dirty="0">
-                          <a:solidFill>
-                            <a:schemeClr val="bg1"/>
-                          </a:solidFill>
-                        </a:rPr>
-                        <a:t>Normal Spinal Cord</a:t>
-                      </a:r>
-                    </a:p>
-                  </a:txBody>
-                  <a:tcPr/>
-                </a:tc>
-                <a:extLst>
-                  <a:ext uri="{0D108BD9-81ED-4DB2-BD59-A6C34878D82A}">
-                    <a16:rowId xmlns:a16="http://schemas.microsoft.com/office/drawing/2014/main" val="3494803040"/>
-                  </a:ext>
-                </a:extLst>
-              </a:tr>
-            </a:tbl>
-          </a:graphicData>
-        </a:graphic>
-      </p:graphicFrame>
       <p:pic>
         <p:nvPicPr>
-          <p:cNvPr id="8" name="Picture 7">
-            <a:extLst>
-              <a:ext uri="{FF2B5EF4-FFF2-40B4-BE49-F238E27FC236}">
-                <a16:creationId xmlns:a16="http://schemas.microsoft.com/office/drawing/2014/main" id="{F5E3A899-BFA0-79A9-3D31-042A4200941C}"/>
+          <p:cNvPr id="10" name="Picture 9">
+            <a:extLst>
+              <a:ext uri="{FF2B5EF4-FFF2-40B4-BE49-F238E27FC236}">
+                <a16:creationId xmlns:a16="http://schemas.microsoft.com/office/drawing/2014/main" id="{69394EA9-ED3B-80D4-C17A-CFAF0805CE3C}"/>
               </a:ext>
             </a:extLst>
           </p:cNvPr>
@@ -4433,8 +5219,8 @@
         </p:blipFill>
         <p:spPr>
           <a:xfrm>
-            <a:off x="135939" y="2366152"/>
-            <a:ext cx="2953117" cy="2059940"/>
+            <a:off x="423653" y="2349944"/>
+            <a:ext cx="3125817" cy="2012245"/>
           </a:xfrm>
           <a:prstGeom prst="rect">
             <a:avLst/>
@@ -4443,10 +5229,10 @@
       </p:pic>
       <p:pic>
         <p:nvPicPr>
-          <p:cNvPr id="10" name="Picture 9">
-            <a:extLst>
-              <a:ext uri="{FF2B5EF4-FFF2-40B4-BE49-F238E27FC236}">
-                <a16:creationId xmlns:a16="http://schemas.microsoft.com/office/drawing/2014/main" id="{69394EA9-ED3B-80D4-C17A-CFAF0805CE3C}"/>
+          <p:cNvPr id="12" name="Picture 11">
+            <a:extLst>
+              <a:ext uri="{FF2B5EF4-FFF2-40B4-BE49-F238E27FC236}">
+                <a16:creationId xmlns:a16="http://schemas.microsoft.com/office/drawing/2014/main" id="{7134C82D-53F4-438F-31A5-C77413E65FFE}"/>
               </a:ext>
             </a:extLst>
           </p:cNvPr>
@@ -4463,8 +5249,8 @@
         </p:blipFill>
         <p:spPr>
           <a:xfrm>
-            <a:off x="3354895" y="2478465"/>
-            <a:ext cx="2953118" cy="1901070"/>
+            <a:off x="4418949" y="2454236"/>
+            <a:ext cx="3230083" cy="2013937"/>
           </a:xfrm>
           <a:prstGeom prst="rect">
             <a:avLst/>
@@ -4473,10 +5259,10 @@
       </p:pic>
       <p:pic>
         <p:nvPicPr>
-          <p:cNvPr id="12" name="Picture 11">
-            <a:extLst>
-              <a:ext uri="{FF2B5EF4-FFF2-40B4-BE49-F238E27FC236}">
-                <a16:creationId xmlns:a16="http://schemas.microsoft.com/office/drawing/2014/main" id="{7134C82D-53F4-438F-31A5-C77413E65FFE}"/>
+          <p:cNvPr id="14" name="Picture 13">
+            <a:extLst>
+              <a:ext uri="{FF2B5EF4-FFF2-40B4-BE49-F238E27FC236}">
+                <a16:creationId xmlns:a16="http://schemas.microsoft.com/office/drawing/2014/main" id="{7FB0CA08-E1B4-A734-B9FE-AEA5E6521892}"/>
               </a:ext>
             </a:extLst>
           </p:cNvPr>
@@ -4493,38 +5279,8 @@
         </p:blipFill>
         <p:spPr>
           <a:xfrm>
-            <a:off x="6573852" y="2593252"/>
-            <a:ext cx="3049059" cy="1901070"/>
-          </a:xfrm>
-          <a:prstGeom prst="rect">
-            <a:avLst/>
-          </a:prstGeom>
-        </p:spPr>
-      </p:pic>
-      <p:pic>
-        <p:nvPicPr>
-          <p:cNvPr id="14" name="Picture 13">
-            <a:extLst>
-              <a:ext uri="{FF2B5EF4-FFF2-40B4-BE49-F238E27FC236}">
-                <a16:creationId xmlns:a16="http://schemas.microsoft.com/office/drawing/2014/main" id="{7FB0CA08-E1B4-A734-B9FE-AEA5E6521892}"/>
-              </a:ext>
-            </a:extLst>
-          </p:cNvPr>
-          <p:cNvPicPr>
-            <a:picLocks noChangeAspect="1"/>
-          </p:cNvPicPr>
-          <p:nvPr/>
-        </p:nvPicPr>
-        <p:blipFill>
-          <a:blip r:embed="rId5"/>
-          <a:stretch>
-            <a:fillRect/>
-          </a:stretch>
-        </p:blipFill>
-        <p:spPr>
-          <a:xfrm>
-            <a:off x="9442442" y="2532164"/>
-            <a:ext cx="2736191" cy="1821223"/>
+            <a:off x="7686875" y="2297691"/>
+            <a:ext cx="3125816" cy="2080559"/>
           </a:xfrm>
           <a:prstGeom prst="rect">
             <a:avLst/>
@@ -4546,13 +5302,13 @@
           <p:nvPr>
             <p:extLst>
               <p:ext uri="{D42A27DB-BD31-4B8C-83A1-F6EECF244321}">
-                <p14:modId xmlns:p14="http://schemas.microsoft.com/office/powerpoint/2010/main" val="1887089319"/>
+                <p14:modId xmlns:p14="http://schemas.microsoft.com/office/powerpoint/2010/main" val="2562890585"/>
               </p:ext>
             </p:extLst>
           </p:nvPr>
         </p:nvGraphicFramePr>
         <p:xfrm>
-          <a:off x="3762778" y="4534204"/>
+          <a:off x="907944" y="4508056"/>
           <a:ext cx="2811074" cy="365760"/>
         </p:xfrm>
         <a:graphic>
@@ -4614,13 +5370,13 @@
           <p:nvPr>
             <p:extLst>
               <p:ext uri="{D42A27DB-BD31-4B8C-83A1-F6EECF244321}">
-                <p14:modId xmlns:p14="http://schemas.microsoft.com/office/powerpoint/2010/main" val="2251030233"/>
+                <p14:modId xmlns:p14="http://schemas.microsoft.com/office/powerpoint/2010/main" val="1395756050"/>
               </p:ext>
             </p:extLst>
           </p:nvPr>
         </p:nvGraphicFramePr>
         <p:xfrm>
-          <a:off x="6818396" y="4546424"/>
+          <a:off x="4687432" y="4518055"/>
           <a:ext cx="2686492" cy="365760"/>
         </p:xfrm>
         <a:graphic>
@@ -4638,7 +5394,7 @@
                   </a:extLst>
                 </a:gridCol>
               </a:tblGrid>
-              <a:tr h="365760">
+              <a:tr h="357998">
                 <a:tc>
                   <a:txBody>
                     <a:bodyPr/>
@@ -4651,7 +5407,7 @@
                             <a:schemeClr val="bg1"/>
                           </a:solidFill>
                         </a:rPr>
-                        <a:t>Intermediate Phase</a:t>
+                        <a:t>Sub-acute Phase</a:t>
                       </a:r>
                     </a:p>
                   </a:txBody>
@@ -4682,13 +5438,13 @@
           <p:nvPr>
             <p:extLst>
               <p:ext uri="{D42A27DB-BD31-4B8C-83A1-F6EECF244321}">
-                <p14:modId xmlns:p14="http://schemas.microsoft.com/office/powerpoint/2010/main" val="3842505081"/>
+                <p14:modId xmlns:p14="http://schemas.microsoft.com/office/powerpoint/2010/main" val="824466966"/>
               </p:ext>
             </p:extLst>
           </p:nvPr>
         </p:nvGraphicFramePr>
         <p:xfrm>
-          <a:off x="9749432" y="4538442"/>
+          <a:off x="8283722" y="4524090"/>
           <a:ext cx="2317439" cy="365760"/>
         </p:xfrm>
         <a:graphic>
@@ -4706,7 +5462,7 @@
                   </a:extLst>
                 </a:gridCol>
               </a:tblGrid>
-              <a:tr h="209767">
+              <a:tr h="325907">
                 <a:tc>
                   <a:txBody>
                     <a:bodyPr/>
@@ -4719,7 +5475,7 @@
                             <a:schemeClr val="bg1"/>
                           </a:solidFill>
                         </a:rPr>
-                        <a:t>Late Phase</a:t>
+                        <a:t>Chronic Phase</a:t>
                       </a:r>
                     </a:p>
                   </a:txBody>
@@ -4737,10 +5493,10 @@
       </p:graphicFrame>
       <p:cxnSp>
         <p:nvCxnSpPr>
-          <p:cNvPr id="20" name="Straight Connector 19">
-            <a:extLst>
-              <a:ext uri="{FF2B5EF4-FFF2-40B4-BE49-F238E27FC236}">
-                <a16:creationId xmlns:a16="http://schemas.microsoft.com/office/drawing/2014/main" id="{8FDD9CB3-E651-428F-2903-F65D0A472074}"/>
+          <p:cNvPr id="23" name="Straight Connector 22">
+            <a:extLst>
+              <a:ext uri="{FF2B5EF4-FFF2-40B4-BE49-F238E27FC236}">
+                <a16:creationId xmlns:a16="http://schemas.microsoft.com/office/drawing/2014/main" id="{734B5A9F-7AB0-EFB5-1224-36C813EFEF75}"/>
               </a:ext>
             </a:extLst>
           </p:cNvPr>
@@ -4750,47 +5506,9 @@
           <p:nvPr/>
         </p:nvCxnSpPr>
         <p:spPr>
-          <a:xfrm>
-            <a:off x="277981" y="4494322"/>
-            <a:ext cx="11788890" cy="0"/>
-          </a:xfrm>
-          <a:prstGeom prst="line">
-            <a:avLst/>
-          </a:prstGeom>
-        </p:spPr>
-        <p:style>
-          <a:lnRef idx="1">
-            <a:schemeClr val="accent1"/>
-          </a:lnRef>
-          <a:fillRef idx="0">
-            <a:schemeClr val="accent1"/>
-          </a:fillRef>
-          <a:effectRef idx="0">
-            <a:schemeClr val="accent1"/>
-          </a:effectRef>
-          <a:fontRef idx="minor">
-            <a:schemeClr val="tx1"/>
-          </a:fontRef>
-        </p:style>
-      </p:cxnSp>
-      <p:cxnSp>
-        <p:nvCxnSpPr>
-          <p:cNvPr id="23" name="Straight Connector 22">
-            <a:extLst>
-              <a:ext uri="{FF2B5EF4-FFF2-40B4-BE49-F238E27FC236}">
-                <a16:creationId xmlns:a16="http://schemas.microsoft.com/office/drawing/2014/main" id="{734B5A9F-7AB0-EFB5-1224-36C813EFEF75}"/>
-              </a:ext>
-            </a:extLst>
-          </p:cNvPr>
-          <p:cNvCxnSpPr>
-            <a:cxnSpLocks/>
-          </p:cNvCxnSpPr>
-          <p:nvPr/>
-        </p:nvCxnSpPr>
-        <p:spPr>
-          <a:xfrm>
-            <a:off x="3762778" y="5194053"/>
-            <a:ext cx="8304093" cy="0"/>
+          <a:xfrm flipV="1">
+            <a:off x="907944" y="5105761"/>
+            <a:ext cx="9815477" cy="62144"/>
           </a:xfrm>
           <a:prstGeom prst="line">
             <a:avLst/>
@@ -4828,7 +5546,7 @@
         </p:nvSpPr>
         <p:spPr>
           <a:xfrm>
-            <a:off x="5035150" y="5131909"/>
+            <a:off x="2180316" y="5105761"/>
             <a:ext cx="133165" cy="124288"/>
           </a:xfrm>
           <a:prstGeom prst="ellipse">
@@ -4874,7 +5592,7 @@
         </p:nvSpPr>
         <p:spPr>
           <a:xfrm>
-            <a:off x="8161642" y="5131909"/>
+            <a:off x="5914253" y="5074689"/>
             <a:ext cx="133165" cy="124288"/>
           </a:xfrm>
           <a:prstGeom prst="ellipse">
@@ -4920,7 +5638,7 @@
         </p:nvSpPr>
         <p:spPr>
           <a:xfrm>
-            <a:off x="10908151" y="5131909"/>
+            <a:off x="9590385" y="5048688"/>
             <a:ext cx="133165" cy="124288"/>
           </a:xfrm>
           <a:prstGeom prst="ellipse">
@@ -4966,7 +5684,7 @@
         </p:nvSpPr>
         <p:spPr>
           <a:xfrm>
-            <a:off x="4323413" y="5291257"/>
+            <a:off x="1468579" y="5265109"/>
             <a:ext cx="2080891" cy="369332"/>
           </a:xfrm>
           <a:prstGeom prst="rect">
@@ -5007,7 +5725,7 @@
         </p:nvSpPr>
         <p:spPr>
           <a:xfrm>
-            <a:off x="7454807" y="5306078"/>
+            <a:off x="5277601" y="5248029"/>
             <a:ext cx="1546834" cy="369332"/>
           </a:xfrm>
           <a:prstGeom prst="rect">
@@ -5048,7 +5766,7 @@
         </p:nvSpPr>
         <p:spPr>
           <a:xfrm>
-            <a:off x="10267899" y="5306078"/>
+            <a:off x="8895360" y="5248029"/>
             <a:ext cx="1866152" cy="369332"/>
           </a:xfrm>
           <a:prstGeom prst="rect">
@@ -5089,8 +5807,8 @@
         </p:nvSpPr>
         <p:spPr>
           <a:xfrm>
-            <a:off x="7430903" y="6504562"/>
-            <a:ext cx="4585294" cy="369332"/>
+            <a:off x="4193481" y="6487140"/>
+            <a:ext cx="8180481" cy="307777"/>
           </a:xfrm>
           <a:prstGeom prst="rect">
             <a:avLst/>
@@ -5098,41 +5816,55 @@
           <a:noFill/>
         </p:spPr>
         <p:txBody>
-          <a:bodyPr wrap="none" rtlCol="0">
+          <a:bodyPr wrap="square" rtlCol="0">
             <a:spAutoFit/>
           </a:bodyPr>
           <a:lstStyle/>
           <a:p>
             <a:r>
-              <a:rPr lang="en-US" i="1" dirty="0">
+              <a:rPr lang="en-US" sz="1400" dirty="0">
                 <a:solidFill>
                   <a:schemeClr val="bg1">
                     <a:lumMod val="65000"/>
                   </a:schemeClr>
                 </a:solidFill>
-              </a:rPr>
-              <a:t>*The pathology of Human SCI, </a:t>
-            </a:r>
-            <a:r>
-              <a:rPr lang="en-US" i="1" dirty="0" err="1">
+                <a:effectLst/>
+                <a:latin typeface="Tahoma" panose="020B0604030504040204" pitchFamily="34" charset="0"/>
+              </a:rPr>
+              <a:t>*</a:t>
+            </a:r>
+            <a:r>
+              <a:rPr lang="en-US" sz="1400" dirty="0" err="1">
                 <a:solidFill>
                   <a:schemeClr val="bg1">
                     <a:lumMod val="65000"/>
                   </a:schemeClr>
                 </a:solidFill>
+                <a:effectLst/>
+                <a:latin typeface="Tahoma" panose="020B0604030504040204" pitchFamily="34" charset="0"/>
               </a:rPr>
               <a:t>Norenberg</a:t>
             </a:r>
             <a:r>
-              <a:rPr lang="en-US" i="1" dirty="0">
+              <a:rPr lang="en-US" sz="1400" dirty="0">
                 <a:solidFill>
                   <a:schemeClr val="bg1">
                     <a:lumMod val="65000"/>
                   </a:schemeClr>
                 </a:solidFill>
-              </a:rPr>
-              <a:t> et al.</a:t>
-            </a:r>
+                <a:effectLst/>
+                <a:latin typeface="Tahoma" panose="020B0604030504040204" pitchFamily="34" charset="0"/>
+              </a:rPr>
+              <a:t>, Michael D., et al. “The Pathology of Human Spinal Cord Injury: Defining the Problems.” </a:t>
+            </a:r>
+            <a:endParaRPr lang="en-US" sz="1400" dirty="0">
+              <a:solidFill>
+                <a:schemeClr val="bg1">
+                  <a:lumMod val="65000"/>
+                </a:schemeClr>
+              </a:solidFill>
+              <a:effectLst/>
+            </a:endParaRPr>
           </a:p>
         </p:txBody>
       </p:sp>
@@ -5151,9 +5883,9 @@
           <p:nvPr/>
         </p:nvCxnSpPr>
         <p:spPr>
-          <a:xfrm flipV="1">
-            <a:off x="681318" y="1117580"/>
-            <a:ext cx="9807388" cy="65010"/>
+          <a:xfrm>
+            <a:off x="681318" y="1182590"/>
+            <a:ext cx="9592235" cy="0"/>
           </a:xfrm>
           <a:prstGeom prst="line">
             <a:avLst/>
@@ -5189,6 +5921,584 @@
 </file>
 
 <file path=ppt/slides/slide5.xml><?xml version="1.0" encoding="utf-8"?>
+<p:sld xmlns:a="http://schemas.openxmlformats.org/drawingml/2006/main" xmlns:r="http://schemas.openxmlformats.org/officeDocument/2006/relationships" xmlns:p="http://schemas.openxmlformats.org/presentationml/2006/main">
+  <p:cSld>
+    <p:spTree>
+      <p:nvGrpSpPr>
+        <p:cNvPr id="1" name=""/>
+        <p:cNvGrpSpPr/>
+        <p:nvPr/>
+      </p:nvGrpSpPr>
+      <p:grpSpPr>
+        <a:xfrm>
+          <a:off x="0" y="0"/>
+          <a:ext cx="0" cy="0"/>
+          <a:chOff x="0" y="0"/>
+          <a:chExt cx="0" cy="0"/>
+        </a:xfrm>
+      </p:grpSpPr>
+      <p:cxnSp>
+        <p:nvCxnSpPr>
+          <p:cNvPr id="6" name="Straight Connector 5">
+            <a:extLst>
+              <a:ext uri="{FF2B5EF4-FFF2-40B4-BE49-F238E27FC236}">
+                <a16:creationId xmlns:a16="http://schemas.microsoft.com/office/drawing/2014/main" id="{F30545C6-CF72-7415-CC0E-03EC9818BBB8}"/>
+              </a:ext>
+            </a:extLst>
+          </p:cNvPr>
+          <p:cNvCxnSpPr>
+            <a:cxnSpLocks/>
+          </p:cNvCxnSpPr>
+          <p:nvPr/>
+        </p:nvCxnSpPr>
+        <p:spPr>
+          <a:xfrm>
+            <a:off x="615462" y="1134208"/>
+            <a:ext cx="9026079" cy="0"/>
+          </a:xfrm>
+          <a:prstGeom prst="line">
+            <a:avLst/>
+          </a:prstGeom>
+          <a:ln w="25400"/>
+        </p:spPr>
+        <p:style>
+          <a:lnRef idx="1">
+            <a:schemeClr val="accent1"/>
+          </a:lnRef>
+          <a:fillRef idx="0">
+            <a:schemeClr val="accent1"/>
+          </a:fillRef>
+          <a:effectRef idx="0">
+            <a:schemeClr val="accent1"/>
+          </a:effectRef>
+          <a:fontRef idx="minor">
+            <a:schemeClr val="tx1"/>
+          </a:fontRef>
+        </p:style>
+      </p:cxnSp>
+      <p:sp>
+        <p:nvSpPr>
+          <p:cNvPr id="7" name="TextBox 6">
+            <a:extLst>
+              <a:ext uri="{FF2B5EF4-FFF2-40B4-BE49-F238E27FC236}">
+                <a16:creationId xmlns:a16="http://schemas.microsoft.com/office/drawing/2014/main" id="{BD007498-B1E8-FF84-6D8F-31DBD4E3022B}"/>
+              </a:ext>
+            </a:extLst>
+          </p:cNvPr>
+          <p:cNvSpPr txBox="1"/>
+          <p:nvPr/>
+        </p:nvSpPr>
+        <p:spPr>
+          <a:xfrm>
+            <a:off x="517645" y="409694"/>
+            <a:ext cx="10408089" cy="584775"/>
+          </a:xfrm>
+          <a:prstGeom prst="rect">
+            <a:avLst/>
+          </a:prstGeom>
+          <a:noFill/>
+        </p:spPr>
+        <p:txBody>
+          <a:bodyPr wrap="square">
+            <a:spAutoFit/>
+          </a:bodyPr>
+          <a:lstStyle/>
+          <a:p>
+            <a:r>
+              <a:rPr lang="en-US" sz="3200" dirty="0">
+                <a:solidFill>
+                  <a:schemeClr val="accent1"/>
+                </a:solidFill>
+                <a:latin typeface="Tahoma" panose="020B0604030504040204" pitchFamily="34" charset="0"/>
+                <a:ea typeface="Tahoma" panose="020B0604030504040204" pitchFamily="34" charset="0"/>
+                <a:cs typeface="Tahoma" panose="020B0604030504040204" pitchFamily="34" charset="0"/>
+              </a:rPr>
+              <a:t>Anatomical Changes from Acute to Chronic Stages*</a:t>
+            </a:r>
+          </a:p>
+        </p:txBody>
+      </p:sp>
+      <p:sp>
+        <p:nvSpPr>
+          <p:cNvPr id="10" name="TextBox 9">
+            <a:extLst>
+              <a:ext uri="{FF2B5EF4-FFF2-40B4-BE49-F238E27FC236}">
+                <a16:creationId xmlns:a16="http://schemas.microsoft.com/office/drawing/2014/main" id="{C28E80CB-F94C-DF7B-BF1C-4C05A44869EE}"/>
+              </a:ext>
+            </a:extLst>
+          </p:cNvPr>
+          <p:cNvSpPr txBox="1"/>
+          <p:nvPr/>
+        </p:nvSpPr>
+        <p:spPr>
+          <a:xfrm>
+            <a:off x="1918802" y="6550223"/>
+            <a:ext cx="10408089" cy="307777"/>
+          </a:xfrm>
+          <a:prstGeom prst="rect">
+            <a:avLst/>
+          </a:prstGeom>
+          <a:noFill/>
+        </p:spPr>
+        <p:txBody>
+          <a:bodyPr wrap="square" rtlCol="0">
+            <a:spAutoFit/>
+          </a:bodyPr>
+          <a:lstStyle/>
+          <a:p>
+            <a:r>
+              <a:rPr lang="en-US" sz="1400" i="1" dirty="0">
+                <a:solidFill>
+                  <a:schemeClr val="bg1">
+                    <a:lumMod val="65000"/>
+                  </a:schemeClr>
+                </a:solidFill>
+              </a:rPr>
+              <a:t>*Nicholas D. James et al. “Conduction Failure following Spinal Cord Injury: Functional and Anatomical Changes from Acute to Chronic Stages”</a:t>
+            </a:r>
+          </a:p>
+        </p:txBody>
+      </p:sp>
+      <p:pic>
+        <p:nvPicPr>
+          <p:cNvPr id="16" name="Picture 15">
+            <a:extLst>
+              <a:ext uri="{FF2B5EF4-FFF2-40B4-BE49-F238E27FC236}">
+                <a16:creationId xmlns:a16="http://schemas.microsoft.com/office/drawing/2014/main" id="{5AD35B0A-6AEA-C75A-DC9B-EE68324F5168}"/>
+              </a:ext>
+            </a:extLst>
+          </p:cNvPr>
+          <p:cNvPicPr>
+            <a:picLocks noChangeAspect="1"/>
+          </p:cNvPicPr>
+          <p:nvPr/>
+        </p:nvPicPr>
+        <p:blipFill>
+          <a:blip r:embed="rId3"/>
+          <a:stretch>
+            <a:fillRect/>
+          </a:stretch>
+        </p:blipFill>
+        <p:spPr>
+          <a:xfrm>
+            <a:off x="3706016" y="1218723"/>
+            <a:ext cx="4206329" cy="5191760"/>
+          </a:xfrm>
+          <a:prstGeom prst="rect">
+            <a:avLst/>
+          </a:prstGeom>
+        </p:spPr>
+      </p:pic>
+    </p:spTree>
+    <p:extLst>
+      <p:ext uri="{BB962C8B-B14F-4D97-AF65-F5344CB8AC3E}">
+        <p14:creationId xmlns:p14="http://schemas.microsoft.com/office/powerpoint/2010/main" val="1263155420"/>
+      </p:ext>
+    </p:extLst>
+  </p:cSld>
+  <p:clrMapOvr>
+    <a:masterClrMapping/>
+  </p:clrMapOvr>
+</p:sld>
+</file>
+
+<file path=ppt/slides/slide6.xml><?xml version="1.0" encoding="utf-8"?>
+<p:sld xmlns:a="http://schemas.openxmlformats.org/drawingml/2006/main" xmlns:r="http://schemas.openxmlformats.org/officeDocument/2006/relationships" xmlns:p="http://schemas.openxmlformats.org/presentationml/2006/main">
+  <p:cSld>
+    <p:spTree>
+      <p:nvGrpSpPr>
+        <p:cNvPr id="1" name=""/>
+        <p:cNvGrpSpPr/>
+        <p:nvPr/>
+      </p:nvGrpSpPr>
+      <p:grpSpPr>
+        <a:xfrm>
+          <a:off x="0" y="0"/>
+          <a:ext cx="0" cy="0"/>
+          <a:chOff x="0" y="0"/>
+          <a:chExt cx="0" cy="0"/>
+        </a:xfrm>
+      </p:grpSpPr>
+      <p:sp>
+        <p:nvSpPr>
+          <p:cNvPr id="3" name="Content Placeholder 2">
+            <a:extLst>
+              <a:ext uri="{FF2B5EF4-FFF2-40B4-BE49-F238E27FC236}">
+                <a16:creationId xmlns:a16="http://schemas.microsoft.com/office/drawing/2014/main" id="{4DDDB338-D013-8511-4C45-F04E10BEF894}"/>
+              </a:ext>
+            </a:extLst>
+          </p:cNvPr>
+          <p:cNvSpPr>
+            <a:spLocks noGrp="1"/>
+          </p:cNvSpPr>
+          <p:nvPr>
+            <p:ph idx="1"/>
+          </p:nvPr>
+        </p:nvSpPr>
+        <p:spPr>
+          <a:xfrm>
+            <a:off x="477304" y="1817262"/>
+            <a:ext cx="7295096" cy="4351338"/>
+          </a:xfrm>
+        </p:spPr>
+        <p:txBody>
+          <a:bodyPr>
+            <a:normAutofit/>
+          </a:bodyPr>
+          <a:lstStyle/>
+          <a:p>
+            <a:pPr>
+              <a:buClr>
+                <a:schemeClr val="accent1"/>
+              </a:buClr>
+            </a:pPr>
+            <a:r>
+              <a:rPr lang="en-US" dirty="0">
+                <a:solidFill>
+                  <a:schemeClr val="accent1"/>
+                </a:solidFill>
+                <a:latin typeface="Tahoma" panose="020B0604030504040204" pitchFamily="34" charset="0"/>
+                <a:ea typeface="Tahoma" panose="020B0604030504040204" pitchFamily="34" charset="0"/>
+                <a:cs typeface="Tahoma" panose="020B0604030504040204" pitchFamily="34" charset="0"/>
+              </a:rPr>
+              <a:t>No globally accepted standard treatment</a:t>
+            </a:r>
+          </a:p>
+          <a:p>
+            <a:pPr marL="457200" lvl="1" indent="0">
+              <a:buNone/>
+            </a:pPr>
+            <a:r>
+              <a:rPr lang="en-US" sz="1600" dirty="0">
+                <a:solidFill>
+                  <a:schemeClr val="accent1"/>
+                </a:solidFill>
+                <a:latin typeface="Tahoma" panose="020B0604030504040204" pitchFamily="34" charset="0"/>
+                <a:ea typeface="Tahoma" panose="020B0604030504040204" pitchFamily="34" charset="0"/>
+                <a:cs typeface="Tahoma" panose="020B0604030504040204" pitchFamily="34" charset="0"/>
+              </a:rPr>
+              <a:t>-</a:t>
+            </a:r>
+            <a:r>
+              <a:rPr lang="en-US" sz="1400" dirty="0">
+                <a:solidFill>
+                  <a:schemeClr val="accent1"/>
+                </a:solidFill>
+                <a:latin typeface="Tahoma" panose="020B0604030504040204" pitchFamily="34" charset="0"/>
+                <a:ea typeface="Tahoma" panose="020B0604030504040204" pitchFamily="34" charset="0"/>
+                <a:cs typeface="Tahoma" panose="020B0604030504040204" pitchFamily="34" charset="0"/>
+              </a:rPr>
+              <a:t> </a:t>
+            </a:r>
+            <a:r>
+              <a:rPr lang="en-US" sz="1600" dirty="0">
+                <a:latin typeface="Tahoma" panose="020B0604030504040204" pitchFamily="34" charset="0"/>
+                <a:ea typeface="Tahoma" panose="020B0604030504040204" pitchFamily="34" charset="0"/>
+                <a:cs typeface="Tahoma" panose="020B0604030504040204" pitchFamily="34" charset="0"/>
+              </a:rPr>
+              <a:t>Stabilization of the vertebral column</a:t>
+            </a:r>
+          </a:p>
+          <a:p>
+            <a:pPr marL="457200" lvl="1" indent="0">
+              <a:buNone/>
+            </a:pPr>
+            <a:r>
+              <a:rPr lang="en-US" sz="1600" dirty="0">
+                <a:solidFill>
+                  <a:schemeClr val="accent1"/>
+                </a:solidFill>
+                <a:latin typeface="Tahoma" panose="020B0604030504040204" pitchFamily="34" charset="0"/>
+                <a:ea typeface="Tahoma" panose="020B0604030504040204" pitchFamily="34" charset="0"/>
+                <a:cs typeface="Tahoma" panose="020B0604030504040204" pitchFamily="34" charset="0"/>
+              </a:rPr>
+              <a:t>- </a:t>
+            </a:r>
+            <a:r>
+              <a:rPr lang="en-US" sz="1600" dirty="0">
+                <a:latin typeface="Tahoma" panose="020B0604030504040204" pitchFamily="34" charset="0"/>
+                <a:ea typeface="Tahoma" panose="020B0604030504040204" pitchFamily="34" charset="0"/>
+                <a:cs typeface="Tahoma" panose="020B0604030504040204" pitchFamily="34" charset="0"/>
+              </a:rPr>
+              <a:t>Methods to reduce inflammation: hypothermia, cerebrospinal fluid   </a:t>
+            </a:r>
+          </a:p>
+          <a:p>
+            <a:pPr marL="457200" lvl="1" indent="0">
+              <a:buNone/>
+            </a:pPr>
+            <a:r>
+              <a:rPr lang="en-US" sz="1600" dirty="0">
+                <a:latin typeface="Tahoma" panose="020B0604030504040204" pitchFamily="34" charset="0"/>
+                <a:ea typeface="Tahoma" panose="020B0604030504040204" pitchFamily="34" charset="0"/>
+                <a:cs typeface="Tahoma" panose="020B0604030504040204" pitchFamily="34" charset="0"/>
+              </a:rPr>
+              <a:t>  drainage, anti-inflammatory drugs, electrical field stimulation</a:t>
+            </a:r>
+          </a:p>
+          <a:p>
+            <a:pPr marL="457200" lvl="1" indent="0">
+              <a:buNone/>
+            </a:pPr>
+            <a:r>
+              <a:rPr lang="en-US" sz="1600" dirty="0">
+                <a:solidFill>
+                  <a:schemeClr val="accent1"/>
+                </a:solidFill>
+                <a:latin typeface="Tahoma" panose="020B0604030504040204" pitchFamily="34" charset="0"/>
+                <a:ea typeface="Tahoma" panose="020B0604030504040204" pitchFamily="34" charset="0"/>
+                <a:cs typeface="Tahoma" panose="020B0604030504040204" pitchFamily="34" charset="0"/>
+              </a:rPr>
+              <a:t>- </a:t>
+            </a:r>
+            <a:r>
+              <a:rPr lang="en-US" sz="1600" dirty="0">
+                <a:latin typeface="Tahoma" panose="020B0604030504040204" pitchFamily="34" charset="0"/>
+                <a:ea typeface="Tahoma" panose="020B0604030504040204" pitchFamily="34" charset="0"/>
+                <a:cs typeface="Tahoma" panose="020B0604030504040204" pitchFamily="34" charset="0"/>
+              </a:rPr>
+              <a:t>Physical rehabilitation</a:t>
+            </a:r>
+          </a:p>
+          <a:p>
+            <a:endParaRPr lang="en-US" dirty="0">
+              <a:latin typeface="Tahoma" panose="020B0604030504040204" pitchFamily="34" charset="0"/>
+              <a:ea typeface="Tahoma" panose="020B0604030504040204" pitchFamily="34" charset="0"/>
+              <a:cs typeface="Tahoma" panose="020B0604030504040204" pitchFamily="34" charset="0"/>
+            </a:endParaRPr>
+          </a:p>
+          <a:p>
+            <a:pPr>
+              <a:buClr>
+                <a:schemeClr val="accent1"/>
+              </a:buClr>
+            </a:pPr>
+            <a:r>
+              <a:rPr lang="en-US" dirty="0">
+                <a:solidFill>
+                  <a:schemeClr val="accent1"/>
+                </a:solidFill>
+                <a:latin typeface="Tahoma" panose="020B0604030504040204" pitchFamily="34" charset="0"/>
+                <a:ea typeface="Tahoma" panose="020B0604030504040204" pitchFamily="34" charset="0"/>
+                <a:cs typeface="Tahoma" panose="020B0604030504040204" pitchFamily="34" charset="0"/>
+              </a:rPr>
+              <a:t>Goals of modern regenerative therapies</a:t>
+            </a:r>
+          </a:p>
+          <a:p>
+            <a:pPr marL="457200" lvl="1" indent="0">
+              <a:buNone/>
+            </a:pPr>
+            <a:r>
+              <a:rPr lang="en-US" sz="1600" dirty="0">
+                <a:solidFill>
+                  <a:schemeClr val="accent1"/>
+                </a:solidFill>
+                <a:latin typeface="Tahoma" panose="020B0604030504040204" pitchFamily="34" charset="0"/>
+                <a:ea typeface="Tahoma" panose="020B0604030504040204" pitchFamily="34" charset="0"/>
+                <a:cs typeface="Tahoma" panose="020B0604030504040204" pitchFamily="34" charset="0"/>
+              </a:rPr>
+              <a:t>-</a:t>
+            </a:r>
+            <a:r>
+              <a:rPr lang="en-US" sz="2400" dirty="0">
+                <a:solidFill>
+                  <a:schemeClr val="accent1"/>
+                </a:solidFill>
+                <a:latin typeface="Tahoma" panose="020B0604030504040204" pitchFamily="34" charset="0"/>
+                <a:ea typeface="Tahoma" panose="020B0604030504040204" pitchFamily="34" charset="0"/>
+                <a:cs typeface="Tahoma" panose="020B0604030504040204" pitchFamily="34" charset="0"/>
+              </a:rPr>
+              <a:t> </a:t>
+            </a:r>
+            <a:r>
+              <a:rPr lang="en-US" sz="1600" dirty="0">
+                <a:latin typeface="Tahoma" panose="020B0604030504040204" pitchFamily="34" charset="0"/>
+                <a:ea typeface="Tahoma" panose="020B0604030504040204" pitchFamily="34" charset="0"/>
+                <a:cs typeface="Tahoma" panose="020B0604030504040204" pitchFamily="34" charset="0"/>
+              </a:rPr>
+              <a:t>Minimally invasive</a:t>
+            </a:r>
+          </a:p>
+          <a:p>
+            <a:pPr marL="457200" lvl="1" indent="0">
+              <a:buNone/>
+            </a:pPr>
+            <a:r>
+              <a:rPr lang="en-US" sz="1600" dirty="0">
+                <a:solidFill>
+                  <a:schemeClr val="accent1"/>
+                </a:solidFill>
+                <a:latin typeface="Tahoma" panose="020B0604030504040204" pitchFamily="34" charset="0"/>
+                <a:ea typeface="Tahoma" panose="020B0604030504040204" pitchFamily="34" charset="0"/>
+                <a:cs typeface="Tahoma" panose="020B0604030504040204" pitchFamily="34" charset="0"/>
+              </a:rPr>
+              <a:t>- </a:t>
+            </a:r>
+            <a:r>
+              <a:rPr lang="en-US" sz="1600" dirty="0">
+                <a:latin typeface="Tahoma" panose="020B0604030504040204" pitchFamily="34" charset="0"/>
+                <a:ea typeface="Tahoma" panose="020B0604030504040204" pitchFamily="34" charset="0"/>
+                <a:cs typeface="Tahoma" panose="020B0604030504040204" pitchFamily="34" charset="0"/>
+              </a:rPr>
+              <a:t>Targeting the secondary or chronic stages of injury</a:t>
+            </a:r>
+          </a:p>
+          <a:p>
+            <a:pPr marL="457200" lvl="1" indent="0">
+              <a:buNone/>
+            </a:pPr>
+            <a:r>
+              <a:rPr lang="en-US" sz="1600" dirty="0">
+                <a:solidFill>
+                  <a:schemeClr val="accent1"/>
+                </a:solidFill>
+                <a:latin typeface="Tahoma" panose="020B0604030504040204" pitchFamily="34" charset="0"/>
+                <a:ea typeface="Tahoma" panose="020B0604030504040204" pitchFamily="34" charset="0"/>
+                <a:cs typeface="Tahoma" panose="020B0604030504040204" pitchFamily="34" charset="0"/>
+              </a:rPr>
+              <a:t>- </a:t>
+            </a:r>
+            <a:r>
+              <a:rPr lang="en-US" sz="1600" dirty="0">
+                <a:latin typeface="Tahoma" panose="020B0604030504040204" pitchFamily="34" charset="0"/>
+                <a:ea typeface="Tahoma" panose="020B0604030504040204" pitchFamily="34" charset="0"/>
+                <a:cs typeface="Tahoma" panose="020B0604030504040204" pitchFamily="34" charset="0"/>
+              </a:rPr>
+              <a:t>Gains in motor function to increase independence and quality of life</a:t>
+            </a:r>
+          </a:p>
+          <a:p>
+            <a:endParaRPr lang="en-US" dirty="0"/>
+          </a:p>
+        </p:txBody>
+      </p:sp>
+      <p:cxnSp>
+        <p:nvCxnSpPr>
+          <p:cNvPr id="4" name="Straight Connector 3">
+            <a:extLst>
+              <a:ext uri="{FF2B5EF4-FFF2-40B4-BE49-F238E27FC236}">
+                <a16:creationId xmlns:a16="http://schemas.microsoft.com/office/drawing/2014/main" id="{3D8B3D36-38FF-E0CC-41D4-515C2AC3DC90}"/>
+              </a:ext>
+            </a:extLst>
+          </p:cNvPr>
+          <p:cNvCxnSpPr>
+            <a:cxnSpLocks/>
+          </p:cNvCxnSpPr>
+          <p:nvPr/>
+        </p:nvCxnSpPr>
+        <p:spPr>
+          <a:xfrm>
+            <a:off x="628909" y="989247"/>
+            <a:ext cx="7600691" cy="0"/>
+          </a:xfrm>
+          <a:prstGeom prst="line">
+            <a:avLst/>
+          </a:prstGeom>
+          <a:ln w="25400"/>
+        </p:spPr>
+        <p:style>
+          <a:lnRef idx="1">
+            <a:schemeClr val="accent1"/>
+          </a:lnRef>
+          <a:fillRef idx="0">
+            <a:schemeClr val="accent1"/>
+          </a:fillRef>
+          <a:effectRef idx="0">
+            <a:schemeClr val="accent1"/>
+          </a:effectRef>
+          <a:fontRef idx="minor">
+            <a:schemeClr val="tx1"/>
+          </a:fontRef>
+        </p:style>
+      </p:cxnSp>
+      <p:sp>
+        <p:nvSpPr>
+          <p:cNvPr id="5" name="TextBox 4">
+            <a:extLst>
+              <a:ext uri="{FF2B5EF4-FFF2-40B4-BE49-F238E27FC236}">
+                <a16:creationId xmlns:a16="http://schemas.microsoft.com/office/drawing/2014/main" id="{DE2B735E-EBB1-5B86-449F-310E35ED2E44}"/>
+              </a:ext>
+            </a:extLst>
+          </p:cNvPr>
+          <p:cNvSpPr txBox="1"/>
+          <p:nvPr/>
+        </p:nvSpPr>
+        <p:spPr>
+          <a:xfrm>
+            <a:off x="477304" y="426711"/>
+            <a:ext cx="10408089" cy="584775"/>
+          </a:xfrm>
+          <a:prstGeom prst="rect">
+            <a:avLst/>
+          </a:prstGeom>
+          <a:noFill/>
+        </p:spPr>
+        <p:txBody>
+          <a:bodyPr wrap="square">
+            <a:spAutoFit/>
+          </a:bodyPr>
+          <a:lstStyle/>
+          <a:p>
+            <a:r>
+              <a:rPr lang="en-US" sz="3200" dirty="0">
+                <a:solidFill>
+                  <a:schemeClr val="accent1"/>
+                </a:solidFill>
+                <a:latin typeface="Tahoma" panose="020B0604030504040204" pitchFamily="34" charset="0"/>
+                <a:ea typeface="Tahoma" panose="020B0604030504040204" pitchFamily="34" charset="0"/>
+                <a:cs typeface="Tahoma" panose="020B0604030504040204" pitchFamily="34" charset="0"/>
+              </a:rPr>
+              <a:t>Recovery of Neural Functions in SCI is rare</a:t>
+            </a:r>
+          </a:p>
+        </p:txBody>
+      </p:sp>
+      <p:pic>
+        <p:nvPicPr>
+          <p:cNvPr id="9" name="Picture 8">
+            <a:extLst>
+              <a:ext uri="{FF2B5EF4-FFF2-40B4-BE49-F238E27FC236}">
+                <a16:creationId xmlns:a16="http://schemas.microsoft.com/office/drawing/2014/main" id="{F22AB722-AE76-9F74-180F-1DF6BF130C9E}"/>
+              </a:ext>
+            </a:extLst>
+          </p:cNvPr>
+          <p:cNvPicPr/>
+          <p:nvPr/>
+        </p:nvPicPr>
+        <p:blipFill>
+          <a:blip r:embed="rId3"/>
+          <a:stretch/>
+        </p:blipFill>
+        <p:spPr>
+          <a:xfrm>
+            <a:off x="7882431" y="1256931"/>
+            <a:ext cx="4060800" cy="5472000"/>
+          </a:xfrm>
+          <a:prstGeom prst="rect">
+            <a:avLst/>
+          </a:prstGeom>
+          <a:ln w="28575">
+            <a:solidFill>
+              <a:schemeClr val="accent1"/>
+            </a:solidFill>
+          </a:ln>
+        </p:spPr>
+      </p:pic>
+    </p:spTree>
+    <p:extLst>
+      <p:ext uri="{BB962C8B-B14F-4D97-AF65-F5344CB8AC3E}">
+        <p14:creationId xmlns:p14="http://schemas.microsoft.com/office/powerpoint/2010/main" val="2038265112"/>
+      </p:ext>
+    </p:extLst>
+  </p:cSld>
+  <p:clrMapOvr>
+    <a:masterClrMapping/>
+  </p:clrMapOvr>
+</p:sld>
+</file>
+
+<file path=ppt/slides/slide7.xml><?xml version="1.0" encoding="utf-8"?>
 <p:sld xmlns:a="http://schemas.openxmlformats.org/drawingml/2006/main" xmlns:r="http://schemas.openxmlformats.org/officeDocument/2006/relationships" xmlns:p="http://schemas.openxmlformats.org/presentationml/2006/main">
   <p:cSld>
     <p:spTree>
@@ -5707,4 +7017,299 @@
     </a:ext>
   </a:extLst>
 </a:theme>
+</file>
+
+<file path=ppt/theme/theme2.xml><?xml version="1.0" encoding="utf-8"?>
+<a:theme xmlns:a="http://schemas.openxmlformats.org/drawingml/2006/main" name="Office Theme">
+  <a:themeElements>
+    <a:clrScheme name="Office">
+      <a:dk1>
+        <a:sysClr val="windowText" lastClr="000000"/>
+      </a:dk1>
+      <a:lt1>
+        <a:sysClr val="window" lastClr="FFFFFF"/>
+      </a:lt1>
+      <a:dk2>
+        <a:srgbClr val="44546A"/>
+      </a:dk2>
+      <a:lt2>
+        <a:srgbClr val="E7E6E6"/>
+      </a:lt2>
+      <a:accent1>
+        <a:srgbClr val="4472C4"/>
+      </a:accent1>
+      <a:accent2>
+        <a:srgbClr val="ED7D31"/>
+      </a:accent2>
+      <a:accent3>
+        <a:srgbClr val="A5A5A5"/>
+      </a:accent3>
+      <a:accent4>
+        <a:srgbClr val="FFC000"/>
+      </a:accent4>
+      <a:accent5>
+        <a:srgbClr val="5B9BD5"/>
+      </a:accent5>
+      <a:accent6>
+        <a:srgbClr val="70AD47"/>
+      </a:accent6>
+      <a:hlink>
+        <a:srgbClr val="0563C1"/>
+      </a:hlink>
+      <a:folHlink>
+        <a:srgbClr val="954F72"/>
+      </a:folHlink>
+    </a:clrScheme>
+    <a:fontScheme name="Office">
+      <a:majorFont>
+        <a:latin typeface="Calibri Light" panose="020F0302020204030204"/>
+        <a:ea typeface=""/>
+        <a:cs typeface=""/>
+        <a:font script="Jpan" typeface="游ゴシック Light"/>
+        <a:font script="Hang" typeface="맑은 고딕"/>
+        <a:font script="Hans" typeface="等线 Light"/>
+        <a:font script="Hant" typeface="新細明體"/>
+        <a:font script="Arab" typeface="Times New Roman"/>
+        <a:font script="Hebr" typeface="Times New Roman"/>
+        <a:font script="Thai" typeface="Angsana New"/>
+        <a:font script="Ethi" typeface="Nyala"/>
+        <a:font script="Beng" typeface="Vrinda"/>
+        <a:font script="Gujr" typeface="Shruti"/>
+        <a:font script="Khmr" typeface="MoolBoran"/>
+        <a:font script="Knda" typeface="Tunga"/>
+        <a:font script="Guru" typeface="Raavi"/>
+        <a:font script="Cans" typeface="Euphemia"/>
+        <a:font script="Cher" typeface="Plantagenet Cherokee"/>
+        <a:font script="Yiii" typeface="Microsoft Yi Baiti"/>
+        <a:font script="Tibt" typeface="Microsoft Himalaya"/>
+        <a:font script="Thaa" typeface="MV Boli"/>
+        <a:font script="Deva" typeface="Mangal"/>
+        <a:font script="Telu" typeface="Gautami"/>
+        <a:font script="Taml" typeface="Latha"/>
+        <a:font script="Syrc" typeface="Estrangelo Edessa"/>
+        <a:font script="Orya" typeface="Kalinga"/>
+        <a:font script="Mlym" typeface="Kartika"/>
+        <a:font script="Laoo" typeface="DokChampa"/>
+        <a:font script="Sinh" typeface="Iskoola Pota"/>
+        <a:font script="Mong" typeface="Mongolian Baiti"/>
+        <a:font script="Viet" typeface="Times New Roman"/>
+        <a:font script="Uigh" typeface="Microsoft Uighur"/>
+        <a:font script="Geor" typeface="Sylfaen"/>
+        <a:font script="Armn" typeface="Arial"/>
+        <a:font script="Bugi" typeface="Leelawadee UI"/>
+        <a:font script="Bopo" typeface="Microsoft JhengHei"/>
+        <a:font script="Java" typeface="Javanese Text"/>
+        <a:font script="Lisu" typeface="Segoe UI"/>
+        <a:font script="Mymr" typeface="Myanmar Text"/>
+        <a:font script="Nkoo" typeface="Ebrima"/>
+        <a:font script="Olck" typeface="Nirmala UI"/>
+        <a:font script="Osma" typeface="Ebrima"/>
+        <a:font script="Phag" typeface="Phagspa"/>
+        <a:font script="Syrn" typeface="Estrangelo Edessa"/>
+        <a:font script="Syrj" typeface="Estrangelo Edessa"/>
+        <a:font script="Syre" typeface="Estrangelo Edessa"/>
+        <a:font script="Sora" typeface="Nirmala UI"/>
+        <a:font script="Tale" typeface="Microsoft Tai Le"/>
+        <a:font script="Talu" typeface="Microsoft New Tai Lue"/>
+        <a:font script="Tfng" typeface="Ebrima"/>
+      </a:majorFont>
+      <a:minorFont>
+        <a:latin typeface="Calibri" panose="020F0502020204030204"/>
+        <a:ea typeface=""/>
+        <a:cs typeface=""/>
+        <a:font script="Jpan" typeface="游ゴシック"/>
+        <a:font script="Hang" typeface="맑은 고딕"/>
+        <a:font script="Hans" typeface="等线"/>
+        <a:font script="Hant" typeface="新細明體"/>
+        <a:font script="Arab" typeface="Arial"/>
+        <a:font script="Hebr" typeface="Arial"/>
+        <a:font script="Thai" typeface="Cordia New"/>
+        <a:font script="Ethi" typeface="Nyala"/>
+        <a:font script="Beng" typeface="Vrinda"/>
+        <a:font script="Gujr" typeface="Shruti"/>
+        <a:font script="Khmr" typeface="DaunPenh"/>
+        <a:font script="Knda" typeface="Tunga"/>
+        <a:font script="Guru" typeface="Raavi"/>
+        <a:font script="Cans" typeface="Euphemia"/>
+        <a:font script="Cher" typeface="Plantagenet Cherokee"/>
+        <a:font script="Yiii" typeface="Microsoft Yi Baiti"/>
+        <a:font script="Tibt" typeface="Microsoft Himalaya"/>
+        <a:font script="Thaa" typeface="MV Boli"/>
+        <a:font script="Deva" typeface="Mangal"/>
+        <a:font script="Telu" typeface="Gautami"/>
+        <a:font script="Taml" typeface="Latha"/>
+        <a:font script="Syrc" typeface="Estrangelo Edessa"/>
+        <a:font script="Orya" typeface="Kalinga"/>
+        <a:font script="Mlym" typeface="Kartika"/>
+        <a:font script="Laoo" typeface="DokChampa"/>
+        <a:font script="Sinh" typeface="Iskoola Pota"/>
+        <a:font script="Mong" typeface="Mongolian Baiti"/>
+        <a:font script="Viet" typeface="Arial"/>
+        <a:font script="Uigh" typeface="Microsoft Uighur"/>
+        <a:font script="Geor" typeface="Sylfaen"/>
+        <a:font script="Armn" typeface="Arial"/>
+        <a:font script="Bugi" typeface="Leelawadee UI"/>
+        <a:font script="Bopo" typeface="Microsoft JhengHei"/>
+        <a:font script="Java" typeface="Javanese Text"/>
+        <a:font script="Lisu" typeface="Segoe UI"/>
+        <a:font script="Mymr" typeface="Myanmar Text"/>
+        <a:font script="Nkoo" typeface="Ebrima"/>
+        <a:font script="Olck" typeface="Nirmala UI"/>
+        <a:font script="Osma" typeface="Ebrima"/>
+        <a:font script="Phag" typeface="Phagspa"/>
+        <a:font script="Syrn" typeface="Estrangelo Edessa"/>
+        <a:font script="Syrj" typeface="Estrangelo Edessa"/>
+        <a:font script="Syre" typeface="Estrangelo Edessa"/>
+        <a:font script="Sora" typeface="Nirmala UI"/>
+        <a:font script="Tale" typeface="Microsoft Tai Le"/>
+        <a:font script="Talu" typeface="Microsoft New Tai Lue"/>
+        <a:font script="Tfng" typeface="Ebrima"/>
+      </a:minorFont>
+    </a:fontScheme>
+    <a:fmtScheme name="Office">
+      <a:fillStyleLst>
+        <a:solidFill>
+          <a:schemeClr val="phClr"/>
+        </a:solidFill>
+        <a:gradFill rotWithShape="1">
+          <a:gsLst>
+            <a:gs pos="0">
+              <a:schemeClr val="phClr">
+                <a:lumMod val="110000"/>
+                <a:satMod val="105000"/>
+                <a:tint val="67000"/>
+              </a:schemeClr>
+            </a:gs>
+            <a:gs pos="50000">
+              <a:schemeClr val="phClr">
+                <a:lumMod val="105000"/>
+                <a:satMod val="103000"/>
+                <a:tint val="73000"/>
+              </a:schemeClr>
+            </a:gs>
+            <a:gs pos="100000">
+              <a:schemeClr val="phClr">
+                <a:lumMod val="105000"/>
+                <a:satMod val="109000"/>
+                <a:tint val="81000"/>
+              </a:schemeClr>
+            </a:gs>
+          </a:gsLst>
+          <a:lin ang="5400000" scaled="0"/>
+        </a:gradFill>
+        <a:gradFill rotWithShape="1">
+          <a:gsLst>
+            <a:gs pos="0">
+              <a:schemeClr val="phClr">
+                <a:satMod val="103000"/>
+                <a:lumMod val="102000"/>
+                <a:tint val="94000"/>
+              </a:schemeClr>
+            </a:gs>
+            <a:gs pos="50000">
+              <a:schemeClr val="phClr">
+                <a:satMod val="110000"/>
+                <a:lumMod val="100000"/>
+                <a:shade val="100000"/>
+              </a:schemeClr>
+            </a:gs>
+            <a:gs pos="100000">
+              <a:schemeClr val="phClr">
+                <a:lumMod val="99000"/>
+                <a:satMod val="120000"/>
+                <a:shade val="78000"/>
+              </a:schemeClr>
+            </a:gs>
+          </a:gsLst>
+          <a:lin ang="5400000" scaled="0"/>
+        </a:gradFill>
+      </a:fillStyleLst>
+      <a:lnStyleLst>
+        <a:ln w="6350" cap="flat" cmpd="sng" algn="ctr">
+          <a:solidFill>
+            <a:schemeClr val="phClr"/>
+          </a:solidFill>
+          <a:prstDash val="solid"/>
+          <a:miter lim="800000"/>
+        </a:ln>
+        <a:ln w="12700" cap="flat" cmpd="sng" algn="ctr">
+          <a:solidFill>
+            <a:schemeClr val="phClr"/>
+          </a:solidFill>
+          <a:prstDash val="solid"/>
+          <a:miter lim="800000"/>
+        </a:ln>
+        <a:ln w="19050" cap="flat" cmpd="sng" algn="ctr">
+          <a:solidFill>
+            <a:schemeClr val="phClr"/>
+          </a:solidFill>
+          <a:prstDash val="solid"/>
+          <a:miter lim="800000"/>
+        </a:ln>
+      </a:lnStyleLst>
+      <a:effectStyleLst>
+        <a:effectStyle>
+          <a:effectLst/>
+        </a:effectStyle>
+        <a:effectStyle>
+          <a:effectLst/>
+        </a:effectStyle>
+        <a:effectStyle>
+          <a:effectLst>
+            <a:outerShdw blurRad="57150" dist="19050" dir="5400000" algn="ctr" rotWithShape="0">
+              <a:srgbClr val="000000">
+                <a:alpha val="63000"/>
+              </a:srgbClr>
+            </a:outerShdw>
+          </a:effectLst>
+        </a:effectStyle>
+      </a:effectStyleLst>
+      <a:bgFillStyleLst>
+        <a:solidFill>
+          <a:schemeClr val="phClr"/>
+        </a:solidFill>
+        <a:solidFill>
+          <a:schemeClr val="phClr">
+            <a:tint val="95000"/>
+            <a:satMod val="170000"/>
+          </a:schemeClr>
+        </a:solidFill>
+        <a:gradFill rotWithShape="1">
+          <a:gsLst>
+            <a:gs pos="0">
+              <a:schemeClr val="phClr">
+                <a:tint val="93000"/>
+                <a:satMod val="150000"/>
+                <a:shade val="98000"/>
+                <a:lumMod val="102000"/>
+              </a:schemeClr>
+            </a:gs>
+            <a:gs pos="50000">
+              <a:schemeClr val="phClr">
+                <a:tint val="98000"/>
+                <a:satMod val="130000"/>
+                <a:shade val="90000"/>
+                <a:lumMod val="103000"/>
+              </a:schemeClr>
+            </a:gs>
+            <a:gs pos="100000">
+              <a:schemeClr val="phClr">
+                <a:shade val="63000"/>
+                <a:satMod val="120000"/>
+              </a:schemeClr>
+            </a:gs>
+          </a:gsLst>
+          <a:lin ang="5400000" scaled="0"/>
+        </a:gradFill>
+      </a:bgFillStyleLst>
+    </a:fmtScheme>
+  </a:themeElements>
+  <a:objectDefaults/>
+  <a:extraClrSchemeLst/>
+  <a:extLst>
+    <a:ext uri="{05A4C25C-085E-4340-85A3-A5531E510DB2}">
+      <thm15:themeFamily xmlns:thm15="http://schemas.microsoft.com/office/thememl/2012/main" name="Office Theme" id="{62F939B6-93AF-4DB8-9C6B-D6C7DFDC589F}" vid="{4A3C46E8-61CC-4603-A589-7422A47A8E4A}"/>
+    </a:ext>
+  </a:extLst>
+</a:theme>
 </file>
--- a/Module_11_StemCells/Conclusion_project/Presentation.pptx
+++ b/Module_11_StemCells/Conclusion_project/Presentation.pptx
@@ -5,7 +5,7 @@
     <p:sldMasterId id="2147483660" r:id="rId1"/>
   </p:sldMasterIdLst>
   <p:notesMasterIdLst>
-    <p:notesMasterId r:id="rId9"/>
+    <p:notesMasterId r:id="rId10"/>
   </p:notesMasterIdLst>
   <p:sldIdLst>
     <p:sldId id="256" r:id="rId2"/>
@@ -15,6 +15,7 @@
     <p:sldId id="262" r:id="rId6"/>
     <p:sldId id="261" r:id="rId7"/>
     <p:sldId id="260" r:id="rId8"/>
+    <p:sldId id="263" r:id="rId9"/>
   </p:sldIdLst>
   <p:sldSz cx="12192000" cy="6858000"/>
   <p:notesSz cx="6858000" cy="9144000"/>
@@ -5953,7 +5954,7 @@
         </p:nvCxnSpPr>
         <p:spPr>
           <a:xfrm>
-            <a:off x="615462" y="1134208"/>
+            <a:off x="660618" y="994469"/>
             <a:ext cx="9026079" cy="0"/>
           </a:xfrm>
           <a:prstGeom prst="line">
@@ -6715,6 +6716,136 @@
     <p:extLst>
       <p:ext uri="{BB962C8B-B14F-4D97-AF65-F5344CB8AC3E}">
         <p14:creationId xmlns:p14="http://schemas.microsoft.com/office/powerpoint/2010/main" val="3516584745"/>
+      </p:ext>
+    </p:extLst>
+  </p:cSld>
+  <p:clrMapOvr>
+    <a:masterClrMapping/>
+  </p:clrMapOvr>
+</p:sld>
+</file>
+
+<file path=ppt/slides/slide8.xml><?xml version="1.0" encoding="utf-8"?>
+<p:sld xmlns:a="http://schemas.openxmlformats.org/drawingml/2006/main" xmlns:r="http://schemas.openxmlformats.org/officeDocument/2006/relationships" xmlns:p="http://schemas.openxmlformats.org/presentationml/2006/main">
+  <p:cSld>
+    <p:spTree>
+      <p:nvGrpSpPr>
+        <p:cNvPr id="1" name=""/>
+        <p:cNvGrpSpPr/>
+        <p:nvPr/>
+      </p:nvGrpSpPr>
+      <p:grpSpPr>
+        <a:xfrm>
+          <a:off x="0" y="0"/>
+          <a:ext cx="0" cy="0"/>
+          <a:chOff x="0" y="0"/>
+          <a:chExt cx="0" cy="0"/>
+        </a:xfrm>
+      </p:grpSpPr>
+      <p:cxnSp>
+        <p:nvCxnSpPr>
+          <p:cNvPr id="4" name="Straight Connector 3">
+            <a:extLst>
+              <a:ext uri="{FF2B5EF4-FFF2-40B4-BE49-F238E27FC236}">
+                <a16:creationId xmlns:a16="http://schemas.microsoft.com/office/drawing/2014/main" id="{D533236A-8147-057D-A124-6C550333FD08}"/>
+              </a:ext>
+            </a:extLst>
+          </p:cNvPr>
+          <p:cNvCxnSpPr>
+            <a:cxnSpLocks/>
+          </p:cNvCxnSpPr>
+          <p:nvPr/>
+        </p:nvCxnSpPr>
+        <p:spPr>
+          <a:xfrm>
+            <a:off x="660618" y="994469"/>
+            <a:ext cx="9026079" cy="0"/>
+          </a:xfrm>
+          <a:prstGeom prst="line">
+            <a:avLst/>
+          </a:prstGeom>
+          <a:ln w="25400"/>
+        </p:spPr>
+        <p:style>
+          <a:lnRef idx="1">
+            <a:schemeClr val="accent1"/>
+          </a:lnRef>
+          <a:fillRef idx="0">
+            <a:schemeClr val="accent1"/>
+          </a:fillRef>
+          <a:effectRef idx="0">
+            <a:schemeClr val="accent1"/>
+          </a:effectRef>
+          <a:fontRef idx="minor">
+            <a:schemeClr val="tx1"/>
+          </a:fontRef>
+        </p:style>
+      </p:cxnSp>
+      <p:sp>
+        <p:nvSpPr>
+          <p:cNvPr id="5" name="TextBox 4">
+            <a:extLst>
+              <a:ext uri="{FF2B5EF4-FFF2-40B4-BE49-F238E27FC236}">
+                <a16:creationId xmlns:a16="http://schemas.microsoft.com/office/drawing/2014/main" id="{C066B72E-A8CD-8B94-1AE7-AAB8AF8E5629}"/>
+              </a:ext>
+            </a:extLst>
+          </p:cNvPr>
+          <p:cNvSpPr txBox="1"/>
+          <p:nvPr/>
+        </p:nvSpPr>
+        <p:spPr>
+          <a:xfrm>
+            <a:off x="402407" y="409694"/>
+            <a:ext cx="10408089" cy="1323439"/>
+          </a:xfrm>
+          <a:prstGeom prst="rect">
+            <a:avLst/>
+          </a:prstGeom>
+          <a:noFill/>
+        </p:spPr>
+        <p:txBody>
+          <a:bodyPr wrap="square">
+            <a:spAutoFit/>
+          </a:bodyPr>
+          <a:lstStyle/>
+          <a:p>
+            <a:r>
+              <a:rPr lang="en-US" sz="4000" dirty="0">
+                <a:solidFill>
+                  <a:schemeClr val="accent1"/>
+                </a:solidFill>
+                <a:latin typeface="Tahoma" panose="020B0604030504040204" pitchFamily="34" charset="0"/>
+                <a:ea typeface="Tahoma" panose="020B0604030504040204" pitchFamily="34" charset="0"/>
+                <a:cs typeface="Tahoma" panose="020B0604030504040204" pitchFamily="34" charset="0"/>
+              </a:rPr>
+              <a:t>Neural-Spinal Scaffold Combined With NS a promising treatment </a:t>
+            </a:r>
+            <a:r>
+              <a:rPr lang="en-US" sz="4000">
+                <a:solidFill>
+                  <a:schemeClr val="accent1"/>
+                </a:solidFill>
+                <a:latin typeface="Tahoma" panose="020B0604030504040204" pitchFamily="34" charset="0"/>
+                <a:ea typeface="Tahoma" panose="020B0604030504040204" pitchFamily="34" charset="0"/>
+                <a:cs typeface="Tahoma" panose="020B0604030504040204" pitchFamily="34" charset="0"/>
+              </a:rPr>
+              <a:t>for acute SCI</a:t>
+            </a:r>
+            <a:endParaRPr lang="en-US" sz="4000" dirty="0">
+              <a:solidFill>
+                <a:schemeClr val="accent1"/>
+              </a:solidFill>
+              <a:latin typeface="Tahoma" panose="020B0604030504040204" pitchFamily="34" charset="0"/>
+              <a:ea typeface="Tahoma" panose="020B0604030504040204" pitchFamily="34" charset="0"/>
+              <a:cs typeface="Tahoma" panose="020B0604030504040204" pitchFamily="34" charset="0"/>
+            </a:endParaRPr>
+          </a:p>
+        </p:txBody>
+      </p:sp>
+    </p:spTree>
+    <p:extLst>
+      <p:ext uri="{BB962C8B-B14F-4D97-AF65-F5344CB8AC3E}">
+        <p14:creationId xmlns:p14="http://schemas.microsoft.com/office/powerpoint/2010/main" val="1879596822"/>
       </p:ext>
     </p:extLst>
   </p:cSld>
